--- a/ppt/ch10.pptx
+++ b/ppt/ch10.pptx
@@ -5,7 +5,7 @@
     <p:sldMasterId id="2147483648" r:id="rId1"/>
   </p:sldMasterIdLst>
   <p:notesMasterIdLst>
-    <p:notesMasterId r:id="rId27"/>
+    <p:notesMasterId r:id="rId28"/>
   </p:notesMasterIdLst>
   <p:sldIdLst>
     <p:sldId id="294" r:id="rId2"/>
@@ -21,18 +21,19 @@
     <p:sldId id="312" r:id="rId12"/>
     <p:sldId id="299" r:id="rId13"/>
     <p:sldId id="313" r:id="rId14"/>
-    <p:sldId id="300" r:id="rId15"/>
-    <p:sldId id="314" r:id="rId16"/>
-    <p:sldId id="301" r:id="rId17"/>
-    <p:sldId id="315" r:id="rId18"/>
-    <p:sldId id="302" r:id="rId19"/>
-    <p:sldId id="316" r:id="rId20"/>
-    <p:sldId id="303" r:id="rId21"/>
-    <p:sldId id="317" r:id="rId22"/>
-    <p:sldId id="319" r:id="rId23"/>
-    <p:sldId id="318" r:id="rId24"/>
-    <p:sldId id="304" r:id="rId25"/>
-    <p:sldId id="305" r:id="rId26"/>
+    <p:sldId id="320" r:id="rId15"/>
+    <p:sldId id="300" r:id="rId16"/>
+    <p:sldId id="314" r:id="rId17"/>
+    <p:sldId id="301" r:id="rId18"/>
+    <p:sldId id="315" r:id="rId19"/>
+    <p:sldId id="302" r:id="rId20"/>
+    <p:sldId id="316" r:id="rId21"/>
+    <p:sldId id="303" r:id="rId22"/>
+    <p:sldId id="317" r:id="rId23"/>
+    <p:sldId id="319" r:id="rId24"/>
+    <p:sldId id="318" r:id="rId25"/>
+    <p:sldId id="304" r:id="rId26"/>
+    <p:sldId id="305" r:id="rId27"/>
   </p:sldIdLst>
   <p:sldSz cx="12192000" cy="6858000"/>
   <p:notesSz cx="6858000" cy="9144000"/>
@@ -695,7 +696,7 @@
           <a:p>
             <a:fld id="{2BB85A3F-2248-46BA-A703-6DC025BFC053}" type="slidenum">
               <a:rPr lang="zh-CN" altLang="en-US" smtClean="0"/>
-              <a:t>21</a:t>
+              <a:t>22</a:t>
             </a:fld>
             <a:endParaRPr lang="zh-CN" altLang="en-US"/>
           </a:p>
@@ -779,7 +780,7 @@
           <a:p>
             <a:fld id="{2BB85A3F-2248-46BA-A703-6DC025BFC053}" type="slidenum">
               <a:rPr lang="zh-CN" altLang="en-US" smtClean="0"/>
-              <a:t>22</a:t>
+              <a:t>23</a:t>
             </a:fld>
             <a:endParaRPr lang="zh-CN" altLang="en-US"/>
           </a:p>
@@ -863,7 +864,7 @@
           <a:p>
             <a:fld id="{2BB85A3F-2248-46BA-A703-6DC025BFC053}" type="slidenum">
               <a:rPr lang="zh-CN" altLang="en-US" smtClean="0"/>
-              <a:t>23</a:t>
+              <a:t>24</a:t>
             </a:fld>
             <a:endParaRPr lang="zh-CN" altLang="en-US"/>
           </a:p>
@@ -1426,7 +1427,7 @@
           <a:p>
             <a:fld id="{2BB85A3F-2248-46BA-A703-6DC025BFC053}" type="slidenum">
               <a:rPr lang="zh-CN" altLang="en-US" smtClean="0"/>
-              <a:t>14</a:t>
+              <a:t>15</a:t>
             </a:fld>
             <a:endParaRPr lang="zh-CN" altLang="en-US"/>
           </a:p>
@@ -1566,7 +1567,7 @@
           <a:p>
             <a:fld id="{2BB85A3F-2248-46BA-A703-6DC025BFC053}" type="slidenum">
               <a:rPr lang="zh-CN" altLang="en-US" smtClean="0"/>
-              <a:t>15</a:t>
+              <a:t>16</a:t>
             </a:fld>
             <a:endParaRPr lang="zh-CN" altLang="en-US"/>
           </a:p>
@@ -1650,7 +1651,7 @@
           <a:p>
             <a:fld id="{2BB85A3F-2248-46BA-A703-6DC025BFC053}" type="slidenum">
               <a:rPr lang="zh-CN" altLang="en-US" smtClean="0"/>
-              <a:t>17</a:t>
+              <a:t>18</a:t>
             </a:fld>
             <a:endParaRPr lang="zh-CN" altLang="en-US"/>
           </a:p>
@@ -1734,7 +1735,7 @@
           <a:p>
             <a:fld id="{2BB85A3F-2248-46BA-A703-6DC025BFC053}" type="slidenum">
               <a:rPr lang="zh-CN" altLang="en-US" smtClean="0"/>
-              <a:t>19</a:t>
+              <a:t>20</a:t>
             </a:fld>
             <a:endParaRPr lang="zh-CN" altLang="en-US"/>
           </a:p>
@@ -1834,7 +1835,7 @@
           <a:p>
             <a:fld id="{2BB85A3F-2248-46BA-A703-6DC025BFC053}" type="slidenum">
               <a:rPr lang="zh-CN" altLang="en-US" smtClean="0"/>
-              <a:t>20</a:t>
+              <a:t>21</a:t>
             </a:fld>
             <a:endParaRPr lang="zh-CN" altLang="en-US"/>
           </a:p>
@@ -5866,7 +5867,7 @@
           </a:ln>
           <a:extLst>
             <a:ext uri="{91240B29-F687-4f45-9708-019B960494DF}">
-              <a14:hiddenLine xmlns:a14="http://schemas.microsoft.com/office/drawing/2010/main" xmlns="" w="12700" cap="flat" cmpd="sng">
+              <a14:hiddenLine xmlns="" xmlns:a14="http://schemas.microsoft.com/office/drawing/2010/main" w="12700" cap="flat" cmpd="sng">
                 <a:solidFill>
                   <a:srgbClr val="42719B"/>
                 </a:solidFill>
@@ -6843,7 +6844,7 @@
           <a:effectLst/>
           <a:extLst>
             <a:ext uri="{91240B29-F687-4f45-9708-019B960494DF}">
-              <a14:hiddenLine xmlns:a14="http://schemas.microsoft.com/office/drawing/2010/main" xmlns="" w="9525">
+              <a14:hiddenLine xmlns="" xmlns:a14="http://schemas.microsoft.com/office/drawing/2010/main" w="9525">
                 <a:solidFill>
                   <a:schemeClr val="tx1"/>
                 </a:solidFill>
@@ -6853,7 +6854,7 @@
               </a14:hiddenLine>
             </a:ext>
             <a:ext uri="{AF507438-7753-43e0-B8FC-AC1667EBCBE1}">
-              <a14:hiddenEffects xmlns:a14="http://schemas.microsoft.com/office/drawing/2010/main" xmlns="">
+              <a14:hiddenEffects xmlns="" xmlns:a14="http://schemas.microsoft.com/office/drawing/2010/main">
                 <a:effectLst>
                   <a:outerShdw dist="35921" dir="2700000" algn="ctr" rotWithShape="0">
                     <a:schemeClr val="bg2"/>
@@ -7219,7 +7220,7 @@
           <a:effectLst/>
           <a:extLst>
             <a:ext uri="{91240B29-F687-4f45-9708-019B960494DF}">
-              <a14:hiddenLine xmlns:a14="http://schemas.microsoft.com/office/drawing/2010/main" xmlns="" w="9525">
+              <a14:hiddenLine xmlns="" xmlns:a14="http://schemas.microsoft.com/office/drawing/2010/main" w="9525">
                 <a:solidFill>
                   <a:schemeClr val="tx1"/>
                 </a:solidFill>
@@ -7229,7 +7230,7 @@
               </a14:hiddenLine>
             </a:ext>
             <a:ext uri="{AF507438-7753-43e0-B8FC-AC1667EBCBE1}">
-              <a14:hiddenEffects xmlns:a14="http://schemas.microsoft.com/office/drawing/2010/main" xmlns="">
+              <a14:hiddenEffects xmlns="" xmlns:a14="http://schemas.microsoft.com/office/drawing/2010/main">
                 <a:effectLst>
                   <a:outerShdw dist="35921" dir="2700000" algn="ctr" rotWithShape="0">
                     <a:schemeClr val="bg2"/>
@@ -8321,7 +8322,7 @@
           <a:effectLst/>
           <a:extLst>
             <a:ext uri="{91240B29-F687-4f45-9708-019B960494DF}">
-              <a14:hiddenLine xmlns:a14="http://schemas.microsoft.com/office/drawing/2010/main" xmlns="" w="9525">
+              <a14:hiddenLine xmlns="" xmlns:a14="http://schemas.microsoft.com/office/drawing/2010/main" w="9525">
                 <a:solidFill>
                   <a:schemeClr val="tx1"/>
                 </a:solidFill>
@@ -8331,7 +8332,7 @@
               </a14:hiddenLine>
             </a:ext>
             <a:ext uri="{AF507438-7753-43e0-B8FC-AC1667EBCBE1}">
-              <a14:hiddenEffects xmlns:a14="http://schemas.microsoft.com/office/drawing/2010/main" xmlns="">
+              <a14:hiddenEffects xmlns="" xmlns:a14="http://schemas.microsoft.com/office/drawing/2010/main">
                 <a:effectLst>
                   <a:outerShdw dist="35921" dir="2700000" algn="ctr" rotWithShape="0">
                     <a:schemeClr val="bg2"/>
@@ -8888,6 +8889,330 @@
 </file>
 
 <file path=ppt/slides/slide14.xml><?xml version="1.0" encoding="utf-8"?>
+<p:sld xmlns:a="http://schemas.openxmlformats.org/drawingml/2006/main" xmlns:r="http://schemas.openxmlformats.org/officeDocument/2006/relationships" xmlns:p="http://schemas.openxmlformats.org/presentationml/2006/main">
+  <p:cSld>
+    <p:spTree>
+      <p:nvGrpSpPr>
+        <p:cNvPr id="1" name=""/>
+        <p:cNvGrpSpPr/>
+        <p:nvPr/>
+      </p:nvGrpSpPr>
+      <p:grpSpPr>
+        <a:xfrm>
+          <a:off x="0" y="0"/>
+          <a:ext cx="0" cy="0"/>
+          <a:chOff x="0" y="0"/>
+          <a:chExt cx="0" cy="0"/>
+        </a:xfrm>
+      </p:grpSpPr>
+      <p:sp>
+        <p:nvSpPr>
+          <p:cNvPr id="2" name="标题 1"/>
+          <p:cNvSpPr>
+            <a:spLocks noGrp="1"/>
+          </p:cNvSpPr>
+          <p:nvPr>
+            <p:ph type="title"/>
+          </p:nvPr>
+        </p:nvSpPr>
+        <p:spPr/>
+        <p:txBody>
+          <a:bodyPr/>
+          <a:lstStyle/>
+          <a:p>
+            <a:r>
+              <a:rPr kumimoji="1" lang="en-US" altLang="zh-CN" dirty="0" err="1">
+                <a:solidFill>
+                  <a:srgbClr val="FFFFFF"/>
+                </a:solidFill>
+              </a:rPr>
+              <a:t>SmsManager</a:t>
+            </a:r>
+            <a:r>
+              <a:rPr kumimoji="1" lang="en-US" altLang="zh-CN" dirty="0">
+                <a:solidFill>
+                  <a:srgbClr val="FFFFFF"/>
+                </a:solidFill>
+              </a:rPr>
+              <a:t> </a:t>
+            </a:r>
+            <a:r>
+              <a:rPr kumimoji="1" lang="zh-CN" altLang="en-US" dirty="0" smtClean="0">
+                <a:solidFill>
+                  <a:srgbClr val="FFFFFF"/>
+                </a:solidFill>
+              </a:rPr>
+              <a:t>使用步骤</a:t>
+            </a:r>
+            <a:endParaRPr kumimoji="1" lang="zh-CN" altLang="en-US" dirty="0"/>
+          </a:p>
+        </p:txBody>
+      </p:sp>
+      <p:sp>
+        <p:nvSpPr>
+          <p:cNvPr id="3" name="内容占位符 2"/>
+          <p:cNvSpPr>
+            <a:spLocks noGrp="1"/>
+          </p:cNvSpPr>
+          <p:nvPr>
+            <p:ph idx="1"/>
+          </p:nvPr>
+        </p:nvSpPr>
+        <p:spPr/>
+        <p:txBody>
+          <a:bodyPr/>
+          <a:lstStyle/>
+          <a:p>
+            <a:r>
+              <a:rPr kumimoji="1" lang="en-US" altLang="zh-CN" dirty="0">
+                <a:solidFill>
+                  <a:srgbClr val="FFFFFF"/>
+                </a:solidFill>
+              </a:rPr>
+              <a:t>(1)</a:t>
+            </a:r>
+            <a:r>
+              <a:rPr kumimoji="1" lang="en-US" altLang="zh-CN" dirty="0" err="1">
+                <a:solidFill>
+                  <a:srgbClr val="FFFFFF"/>
+                </a:solidFill>
+              </a:rPr>
+              <a:t>SmsManager</a:t>
+            </a:r>
+            <a:r>
+              <a:rPr kumimoji="1" lang="en-US" altLang="zh-CN" dirty="0">
+                <a:solidFill>
+                  <a:srgbClr val="FFFFFF"/>
+                </a:solidFill>
+              </a:rPr>
+              <a:t> manager = </a:t>
+            </a:r>
+            <a:r>
+              <a:rPr kumimoji="1" lang="en-US" altLang="zh-CN" dirty="0" err="1">
+                <a:solidFill>
+                  <a:srgbClr val="FFFFFF"/>
+                </a:solidFill>
+              </a:rPr>
+              <a:t>SmsManager.getDefault</a:t>
+            </a:r>
+            <a:r>
+              <a:rPr kumimoji="1" lang="en-US" altLang="zh-CN" dirty="0">
+                <a:solidFill>
+                  <a:srgbClr val="FFFFFF"/>
+                </a:solidFill>
+              </a:rPr>
+              <a:t>();   //</a:t>
+            </a:r>
+            <a:r>
+              <a:rPr kumimoji="1" lang="zh-CN" altLang="en-US" dirty="0">
+                <a:solidFill>
+                  <a:srgbClr val="FFFFFF"/>
+                </a:solidFill>
+              </a:rPr>
+              <a:t>获得默认的消息管理</a:t>
+            </a:r>
+            <a:r>
+              <a:rPr kumimoji="1" lang="zh-CN" altLang="en-US" dirty="0" smtClean="0">
+                <a:solidFill>
+                  <a:srgbClr val="FFFFFF"/>
+                </a:solidFill>
+              </a:rPr>
+              <a:t>器</a:t>
+            </a:r>
+            <a:endParaRPr kumimoji="1" lang="en-US" altLang="zh-CN" dirty="0" smtClean="0">
+              <a:solidFill>
+                <a:srgbClr val="FFFFFF"/>
+              </a:solidFill>
+            </a:endParaRPr>
+          </a:p>
+          <a:p>
+            <a:endParaRPr kumimoji="1" lang="en-US" altLang="zh-CN" dirty="0" smtClean="0">
+              <a:solidFill>
+                <a:srgbClr val="FFFFFF"/>
+              </a:solidFill>
+            </a:endParaRPr>
+          </a:p>
+          <a:p>
+            <a:r>
+              <a:rPr kumimoji="1" lang="en-US" altLang="zh-CN" dirty="0" smtClean="0">
+                <a:solidFill>
+                  <a:srgbClr val="FFFFFF"/>
+                </a:solidFill>
+              </a:rPr>
+              <a:t>(</a:t>
+            </a:r>
+            <a:r>
+              <a:rPr kumimoji="1" lang="en-US" altLang="zh-CN" dirty="0">
+                <a:solidFill>
+                  <a:srgbClr val="FFFFFF"/>
+                </a:solidFill>
+              </a:rPr>
+              <a:t>2)</a:t>
+            </a:r>
+            <a:r>
+              <a:rPr kumimoji="1" lang="en-US" altLang="zh-CN" dirty="0" err="1">
+                <a:solidFill>
+                  <a:srgbClr val="FFFFFF"/>
+                </a:solidFill>
+              </a:rPr>
+              <a:t>ArrayList</a:t>
+            </a:r>
+            <a:r>
+              <a:rPr kumimoji="1" lang="en-US" altLang="zh-CN" dirty="0">
+                <a:solidFill>
+                  <a:srgbClr val="FFFFFF"/>
+                </a:solidFill>
+              </a:rPr>
+              <a:t>&lt;String&gt; list = </a:t>
+            </a:r>
+            <a:r>
+              <a:rPr kumimoji="1" lang="en-US" altLang="zh-CN" dirty="0" err="1">
+                <a:solidFill>
+                  <a:srgbClr val="FFFFFF"/>
+                </a:solidFill>
+              </a:rPr>
+              <a:t>manager.divideMessage</a:t>
+            </a:r>
+            <a:r>
+              <a:rPr kumimoji="1" lang="en-US" altLang="zh-CN" dirty="0">
+                <a:solidFill>
+                  <a:srgbClr val="FFFFFF"/>
+                </a:solidFill>
+              </a:rPr>
+              <a:t>(String txt);  //</a:t>
+            </a:r>
+            <a:r>
+              <a:rPr kumimoji="1" lang="zh-CN" altLang="en-US" dirty="0">
+                <a:solidFill>
+                  <a:srgbClr val="FFFFFF"/>
+                </a:solidFill>
+              </a:rPr>
+              <a:t>拆分长</a:t>
+            </a:r>
+            <a:r>
+              <a:rPr kumimoji="1" lang="zh-CN" altLang="en-US" dirty="0" smtClean="0">
+                <a:solidFill>
+                  <a:srgbClr val="FFFFFF"/>
+                </a:solidFill>
+              </a:rPr>
+              <a:t>短信</a:t>
+            </a:r>
+            <a:endParaRPr kumimoji="1" lang="en-US" altLang="zh-CN" dirty="0" smtClean="0">
+              <a:solidFill>
+                <a:srgbClr val="FFFFFF"/>
+              </a:solidFill>
+            </a:endParaRPr>
+          </a:p>
+          <a:p>
+            <a:endParaRPr kumimoji="1" lang="en-US" altLang="zh-CN" dirty="0">
+              <a:solidFill>
+                <a:srgbClr val="FFFFFF"/>
+              </a:solidFill>
+            </a:endParaRPr>
+          </a:p>
+          <a:p>
+            <a:r>
+              <a:rPr kumimoji="1" lang="en-US" altLang="zh-CN" dirty="0" smtClean="0">
+                <a:solidFill>
+                  <a:srgbClr val="FFFFFF"/>
+                </a:solidFill>
+              </a:rPr>
+              <a:t>(</a:t>
+            </a:r>
+            <a:r>
+              <a:rPr kumimoji="1" lang="en-US" altLang="zh-CN" dirty="0">
+                <a:solidFill>
+                  <a:srgbClr val="FFFFFF"/>
+                </a:solidFill>
+              </a:rPr>
+              <a:t>3)</a:t>
+            </a:r>
+            <a:r>
+              <a:rPr kumimoji="1" lang="en-US" altLang="zh-CN" dirty="0" err="1">
+                <a:solidFill>
+                  <a:srgbClr val="FFFFFF"/>
+                </a:solidFill>
+              </a:rPr>
+              <a:t>manager.sendTextMessage</a:t>
+            </a:r>
+            <a:r>
+              <a:rPr kumimoji="1" lang="en-US" altLang="zh-CN" dirty="0">
+                <a:solidFill>
+                  <a:srgbClr val="FFFFFF"/>
+                </a:solidFill>
+              </a:rPr>
+              <a:t>(String </a:t>
+            </a:r>
+            <a:r>
+              <a:rPr kumimoji="1" lang="en-US" altLang="zh-CN" dirty="0" err="1">
+                <a:solidFill>
+                  <a:srgbClr val="FFFFFF"/>
+                </a:solidFill>
+              </a:rPr>
+              <a:t>phone,null,String</a:t>
+            </a:r>
+            <a:r>
+              <a:rPr kumimoji="1" lang="en-US" altLang="zh-CN" dirty="0">
+                <a:solidFill>
+                  <a:srgbClr val="FFFFFF"/>
+                </a:solidFill>
+              </a:rPr>
+              <a:t> </a:t>
+            </a:r>
+            <a:r>
+              <a:rPr kumimoji="1" lang="en-US" altLang="zh-CN" dirty="0" err="1">
+                <a:solidFill>
+                  <a:srgbClr val="FFFFFF"/>
+                </a:solidFill>
+              </a:rPr>
+              <a:t>content,null,null</a:t>
+            </a:r>
+            <a:r>
+              <a:rPr kumimoji="1" lang="en-US" altLang="zh-CN" dirty="0">
+                <a:solidFill>
+                  <a:srgbClr val="FFFFFF"/>
+                </a:solidFill>
+              </a:rPr>
+              <a:t>);  //</a:t>
+            </a:r>
+            <a:r>
+              <a:rPr kumimoji="1" lang="zh-CN" altLang="en-US" dirty="0">
+                <a:solidFill>
+                  <a:srgbClr val="FFFFFF"/>
+                </a:solidFill>
+              </a:rPr>
+              <a:t>发送</a:t>
+            </a:r>
+            <a:r>
+              <a:rPr kumimoji="1" lang="zh-CN" altLang="en-US" dirty="0" smtClean="0">
+                <a:solidFill>
+                  <a:srgbClr val="FFFFFF"/>
+                </a:solidFill>
+              </a:rPr>
+              <a:t>短信</a:t>
+            </a:r>
+            <a:endParaRPr kumimoji="1" lang="zh-CN" altLang="en-US" dirty="0">
+              <a:solidFill>
+                <a:srgbClr val="FFFFFF"/>
+              </a:solidFill>
+            </a:endParaRPr>
+          </a:p>
+        </p:txBody>
+      </p:sp>
+    </p:spTree>
+    <p:extLst>
+      <p:ext uri="{BB962C8B-B14F-4D97-AF65-F5344CB8AC3E}">
+        <p14:creationId xmlns:p14="http://schemas.microsoft.com/office/powerpoint/2010/main" val="1511114249"/>
+      </p:ext>
+    </p:extLst>
+  </p:cSld>
+  <p:clrMapOvr>
+    <a:masterClrMapping/>
+  </p:clrMapOvr>
+</p:sld>
+</file>
+
+<file path=ppt/slides/slide15.xml><?xml version="1.0" encoding="utf-8"?>
 <p:sld xmlns:a="http://schemas.openxmlformats.org/drawingml/2006/main" xmlns:r="http://schemas.openxmlformats.org/officeDocument/2006/relationships" xmlns:p="http://schemas.openxmlformats.org/presentationml/2006/main">
   <p:cSld>
     <p:spTree>
@@ -9247,7 +9572,7 @@
 </p:sld>
 </file>
 
-<file path=ppt/slides/slide15.xml><?xml version="1.0" encoding="utf-8"?>
+<file path=ppt/slides/slide16.xml><?xml version="1.0" encoding="utf-8"?>
 <p:sld xmlns:a="http://schemas.openxmlformats.org/drawingml/2006/main" xmlns:r="http://schemas.openxmlformats.org/officeDocument/2006/relationships" xmlns:p="http://schemas.openxmlformats.org/presentationml/2006/main">
   <p:cSld>
     <p:spTree>
@@ -9945,7 +10270,7 @@
 </p:sld>
 </file>
 
-<file path=ppt/slides/slide16.xml><?xml version="1.0" encoding="utf-8"?>
+<file path=ppt/slides/slide17.xml><?xml version="1.0" encoding="utf-8"?>
 <p:sld xmlns:a="http://schemas.openxmlformats.org/drawingml/2006/main" xmlns:r="http://schemas.openxmlformats.org/officeDocument/2006/relationships" xmlns:p="http://schemas.openxmlformats.org/presentationml/2006/main">
   <p:cSld>
     <p:spTree>
@@ -10274,7 +10599,7 @@
 </p:sld>
 </file>
 
-<file path=ppt/slides/slide17.xml><?xml version="1.0" encoding="utf-8"?>
+<file path=ppt/slides/slide18.xml><?xml version="1.0" encoding="utf-8"?>
 <p:sld xmlns:a="http://schemas.openxmlformats.org/drawingml/2006/main" xmlns:r="http://schemas.openxmlformats.org/officeDocument/2006/relationships" xmlns:p="http://schemas.openxmlformats.org/presentationml/2006/main">
   <p:cSld>
     <p:spTree>
@@ -10404,7 +10729,7 @@
         </p:nvSpPr>
         <p:spPr>
           <a:xfrm>
-            <a:off x="1032147" y="2098507"/>
+            <a:off x="1032147" y="2065849"/>
             <a:ext cx="10338280" cy="3580327"/>
           </a:xfrm>
           <a:prstGeom prst="rect">
@@ -10448,14 +10773,6 @@
               </a:spcAft>
               <a:defRPr/>
             </a:pPr>
-            <a:r>
-              <a:rPr lang="en-US" altLang="zh-CN" dirty="0" smtClean="0"/>
-              <a:t>Vibrator</a:t>
-            </a:r>
-            <a:r>
-              <a:rPr lang="zh-CN" altLang="en-US" dirty="0" smtClean="0"/>
-              <a:t>的使用比较简单，它只有三个简单的方法来控制手机振动：</a:t>
-            </a:r>
             <a:endParaRPr lang="en-US" altLang="zh-CN" dirty="0" smtClean="0"/>
           </a:p>
           <a:p>
@@ -10468,6 +10785,30 @@
               </a:spcAft>
               <a:defRPr/>
             </a:pPr>
+            <a:endParaRPr lang="en-US" altLang="zh-CN" dirty="0"/>
+          </a:p>
+          <a:p>
+            <a:pPr fontAlgn="auto">
+              <a:spcBef>
+                <a:spcPts val="0"/>
+              </a:spcBef>
+              <a:spcAft>
+                <a:spcPts val="0"/>
+              </a:spcAft>
+              <a:defRPr/>
+            </a:pPr>
+            <a:r>
+              <a:rPr lang="en-US" altLang="zh-CN" dirty="0" smtClean="0"/>
+              <a:t>Vibrator</a:t>
+            </a:r>
+            <a:r>
+              <a:rPr lang="zh-CN" altLang="en-US" dirty="0" smtClean="0"/>
+              <a:t>的使用比较简单，它只有三个简单的方法来控制手机振动</a:t>
+            </a:r>
+            <a:r>
+              <a:rPr lang="zh-CN" altLang="en-US" dirty="0" smtClean="0"/>
+              <a:t>：</a:t>
+            </a:r>
             <a:endParaRPr lang="en-US" altLang="zh-CN" dirty="0"/>
           </a:p>
           <a:p>
@@ -10656,9 +10997,177 @@
             </a:r>
             <a:r>
               <a:rPr lang="zh-CN" altLang="en-US" dirty="0" smtClean="0"/>
-              <a:t>：关闭手机振动。</a:t>
+              <a:t>：关闭手机振动</a:t>
+            </a:r>
+            <a:r>
+              <a:rPr lang="zh-CN" altLang="en-US" dirty="0" smtClean="0"/>
+              <a:t>。</a:t>
             </a:r>
             <a:endParaRPr lang="en-US" altLang="zh-CN" dirty="0"/>
+          </a:p>
+        </p:txBody>
+      </p:sp>
+      <p:sp>
+        <p:nvSpPr>
+          <p:cNvPr id="2" name="文本框 1"/>
+          <p:cNvSpPr txBox="1"/>
+          <p:nvPr/>
+        </p:nvSpPr>
+        <p:spPr>
+          <a:xfrm>
+            <a:off x="1111026" y="2065849"/>
+            <a:ext cx="9510232" cy="923330"/>
+          </a:xfrm>
+          <a:prstGeom prst="rect">
+            <a:avLst/>
+          </a:prstGeom>
+          <a:noFill/>
+        </p:spPr>
+        <p:txBody>
+          <a:bodyPr wrap="none" rtlCol="0">
+            <a:spAutoFit/>
+          </a:bodyPr>
+          <a:lstStyle/>
+          <a:p>
+            <a:r>
+              <a:rPr kumimoji="1" lang="zh-CN" altLang="en-US" dirty="0">
+                <a:solidFill>
+                  <a:srgbClr val="FFFFFF"/>
+                </a:solidFill>
+              </a:rPr>
+              <a:t>取得震动服务的句</a:t>
+            </a:r>
+            <a:r>
+              <a:rPr kumimoji="1" lang="zh-CN" altLang="en-US" dirty="0" smtClean="0">
+                <a:solidFill>
+                  <a:srgbClr val="FFFFFF"/>
+                </a:solidFill>
+              </a:rPr>
+              <a:t>柄</a:t>
+            </a:r>
+            <a:endParaRPr kumimoji="1" lang="en-US" altLang="zh-CN" dirty="0" smtClean="0">
+              <a:solidFill>
+                <a:srgbClr val="FFFFFF"/>
+              </a:solidFill>
+            </a:endParaRPr>
+          </a:p>
+          <a:p>
+            <a:r>
+              <a:rPr kumimoji="1" lang="zh-CN" altLang="en-US" dirty="0">
+                <a:solidFill>
+                  <a:srgbClr val="FFFFFF"/>
+                </a:solidFill>
+              </a:rPr>
+              <a:t> </a:t>
+            </a:r>
+            <a:r>
+              <a:rPr kumimoji="1" lang="en-US" altLang="zh-CN" dirty="0">
+                <a:solidFill>
+                  <a:srgbClr val="FFFFFF"/>
+                </a:solidFill>
+              </a:rPr>
+              <a:t>vibrator = (Vibrator) </a:t>
+            </a:r>
+            <a:r>
+              <a:rPr kumimoji="1" lang="en-US" altLang="zh-CN" dirty="0" err="1">
+                <a:solidFill>
+                  <a:srgbClr val="FFFFFF"/>
+                </a:solidFill>
+              </a:rPr>
+              <a:t>getSystemService</a:t>
+            </a:r>
+            <a:r>
+              <a:rPr kumimoji="1" lang="en-US" altLang="zh-CN" dirty="0">
+                <a:solidFill>
+                  <a:srgbClr val="FFFFFF"/>
+                </a:solidFill>
+              </a:rPr>
+              <a:t>(VIBRATOR_SERVICE); </a:t>
+            </a:r>
+            <a:endParaRPr kumimoji="1" lang="en-US" altLang="zh-CN" dirty="0" smtClean="0">
+              <a:solidFill>
+                <a:srgbClr val="FFFFFF"/>
+              </a:solidFill>
+            </a:endParaRPr>
+          </a:p>
+          <a:p>
+            <a:r>
+              <a:rPr kumimoji="1" lang="zh-CN" altLang="en-US" dirty="0" smtClean="0">
+                <a:solidFill>
+                  <a:srgbClr val="FFFFFF"/>
+                </a:solidFill>
+              </a:rPr>
+              <a:t>或者</a:t>
+            </a:r>
+            <a:r>
+              <a:rPr kumimoji="1" lang="en-US" altLang="zh-CN" dirty="0" smtClean="0">
+                <a:solidFill>
+                  <a:srgbClr val="FFFFFF"/>
+                </a:solidFill>
+              </a:rPr>
+              <a:t>vibrator </a:t>
+            </a:r>
+            <a:r>
+              <a:rPr kumimoji="1" lang="en-US" altLang="zh-CN" dirty="0">
+                <a:solidFill>
+                  <a:srgbClr val="FFFFFF"/>
+                </a:solidFill>
+              </a:rPr>
+              <a:t>= (Vibrator)</a:t>
+            </a:r>
+            <a:r>
+              <a:rPr kumimoji="1" lang="en-US" altLang="zh-CN" dirty="0" err="1">
+                <a:solidFill>
+                  <a:srgbClr val="FFFFFF"/>
+                </a:solidFill>
+              </a:rPr>
+              <a:t>getApplication</a:t>
+            </a:r>
+            <a:r>
+              <a:rPr kumimoji="1" lang="en-US" altLang="zh-CN" dirty="0">
+                <a:solidFill>
+                  <a:srgbClr val="FFFFFF"/>
+                </a:solidFill>
+              </a:rPr>
+              <a:t>().</a:t>
+            </a:r>
+            <a:r>
+              <a:rPr kumimoji="1" lang="en-US" altLang="zh-CN" dirty="0" err="1">
+                <a:solidFill>
+                  <a:srgbClr val="FFFFFF"/>
+                </a:solidFill>
+              </a:rPr>
+              <a:t>getSystemService</a:t>
+            </a:r>
+            <a:r>
+              <a:rPr kumimoji="1" lang="en-US" altLang="zh-CN" dirty="0">
+                <a:solidFill>
+                  <a:srgbClr val="FFFFFF"/>
+                </a:solidFill>
+              </a:rPr>
+              <a:t>(</a:t>
+            </a:r>
+            <a:r>
+              <a:rPr kumimoji="1" lang="en-US" altLang="zh-CN" dirty="0" err="1">
+                <a:solidFill>
+                  <a:srgbClr val="FFFFFF"/>
+                </a:solidFill>
+              </a:rPr>
+              <a:t>Service.VIBRATOR_SERVICE</a:t>
+            </a:r>
+            <a:r>
+              <a:rPr kumimoji="1" lang="en-US" altLang="zh-CN" dirty="0" smtClean="0">
+                <a:solidFill>
+                  <a:srgbClr val="FFFFFF"/>
+                </a:solidFill>
+              </a:rPr>
+              <a:t>);</a:t>
+            </a:r>
+            <a:endParaRPr kumimoji="1" lang="en-US" altLang="zh-CN" dirty="0">
+              <a:solidFill>
+                <a:srgbClr val="FFFFFF"/>
+              </a:solidFill>
+            </a:endParaRPr>
           </a:p>
         </p:txBody>
       </p:sp>
@@ -10682,7 +11191,7 @@
 </p:sld>
 </file>
 
-<file path=ppt/slides/slide18.xml><?xml version="1.0" encoding="utf-8"?>
+<file path=ppt/slides/slide19.xml><?xml version="1.0" encoding="utf-8"?>
 <p:sld xmlns:a="http://schemas.openxmlformats.org/drawingml/2006/main" xmlns:r="http://schemas.openxmlformats.org/officeDocument/2006/relationships" xmlns:p="http://schemas.openxmlformats.org/presentationml/2006/main">
   <p:cSld>
     <p:spTree>
@@ -11032,638 +11541,6 @@
 </p:sld>
 </file>
 
-<file path=ppt/slides/slide19.xml><?xml version="1.0" encoding="utf-8"?>
-<p:sld xmlns:a="http://schemas.openxmlformats.org/drawingml/2006/main" xmlns:r="http://schemas.openxmlformats.org/officeDocument/2006/relationships" xmlns:p="http://schemas.openxmlformats.org/presentationml/2006/main">
-  <p:cSld>
-    <p:spTree>
-      <p:nvGrpSpPr>
-        <p:cNvPr id="1" name=""/>
-        <p:cNvGrpSpPr/>
-        <p:nvPr/>
-      </p:nvGrpSpPr>
-      <p:grpSpPr>
-        <a:xfrm>
-          <a:off x="0" y="0"/>
-          <a:ext cx="0" cy="0"/>
-          <a:chOff x="0" y="0"/>
-          <a:chExt cx="0" cy="0"/>
-        </a:xfrm>
-      </p:grpSpPr>
-      <p:sp>
-        <p:nvSpPr>
-          <p:cNvPr id="55297" name="文本框 3"/>
-          <p:cNvSpPr txBox="1">
-            <a:spLocks noChangeArrowheads="1"/>
-          </p:cNvSpPr>
-          <p:nvPr/>
-        </p:nvSpPr>
-        <p:spPr bwMode="auto">
-          <a:xfrm>
-            <a:off x="2623384" y="319344"/>
-            <a:ext cx="7155805" cy="830997"/>
-          </a:xfrm>
-          <a:prstGeom prst="rect">
-            <a:avLst/>
-          </a:prstGeom>
-          <a:noFill/>
-          <a:ln w="9525">
-            <a:noFill/>
-            <a:miter lim="800000"/>
-            <a:headEnd/>
-            <a:tailEnd/>
-          </a:ln>
-        </p:spPr>
-        <p:txBody>
-          <a:bodyPr wrap="none">
-            <a:spAutoFit/>
-          </a:bodyPr>
-          <a:lstStyle/>
-          <a:p>
-            <a:r>
-              <a:rPr lang="zh-CN" altLang="en-US" sz="4800" dirty="0" smtClean="0">
-                <a:solidFill>
-                  <a:schemeClr val="bg1"/>
-                </a:solidFill>
-                <a:latin typeface="Calibri" pitchFamily="34" charset="0"/>
-                <a:ea typeface="方正大黑简体" pitchFamily="2" charset="-122"/>
-              </a:rPr>
-              <a:t>手机闹钟服务（</a:t>
-            </a:r>
-            <a:r>
-              <a:rPr lang="en-US" altLang="zh-CN" sz="4800" dirty="0" smtClean="0">
-                <a:solidFill>
-                  <a:schemeClr val="bg1"/>
-                </a:solidFill>
-                <a:latin typeface="Calibri" pitchFamily="34" charset="0"/>
-                <a:ea typeface="方正大黑简体" pitchFamily="2" charset="-122"/>
-              </a:rPr>
-              <a:t>Vibrator</a:t>
-            </a:r>
-            <a:r>
-              <a:rPr lang="zh-CN" altLang="en-US" sz="4800" dirty="0" smtClean="0">
-                <a:solidFill>
-                  <a:schemeClr val="bg1"/>
-                </a:solidFill>
-                <a:latin typeface="Calibri" pitchFamily="34" charset="0"/>
-                <a:ea typeface="方正大黑简体" pitchFamily="2" charset="-122"/>
-              </a:rPr>
-              <a:t>）</a:t>
-            </a:r>
-            <a:endParaRPr lang="zh-CN" altLang="en-US" sz="4800" dirty="0">
-              <a:solidFill>
-                <a:schemeClr val="bg1"/>
-              </a:solidFill>
-              <a:latin typeface="Calibri" pitchFamily="34" charset="0"/>
-              <a:ea typeface="方正大黑简体" pitchFamily="2" charset="-122"/>
-            </a:endParaRPr>
-          </a:p>
-        </p:txBody>
-      </p:sp>
-      <p:cxnSp>
-        <p:nvCxnSpPr>
-          <p:cNvPr id="5" name="直接连接符 4"/>
-          <p:cNvCxnSpPr/>
-          <p:nvPr/>
-        </p:nvCxnSpPr>
-        <p:spPr>
-          <a:xfrm>
-            <a:off x="891470" y="1278827"/>
-            <a:ext cx="9729788" cy="0"/>
-          </a:xfrm>
-          <a:prstGeom prst="line">
-            <a:avLst/>
-          </a:prstGeom>
-          <a:ln>
-            <a:solidFill>
-              <a:schemeClr val="bg1"/>
-            </a:solidFill>
-          </a:ln>
-        </p:spPr>
-        <p:style>
-          <a:lnRef idx="1">
-            <a:schemeClr val="accent1"/>
-          </a:lnRef>
-          <a:fillRef idx="0">
-            <a:schemeClr val="accent1"/>
-          </a:fillRef>
-          <a:effectRef idx="0">
-            <a:schemeClr val="accent1"/>
-          </a:effectRef>
-          <a:fontRef idx="minor">
-            <a:schemeClr val="tx1"/>
-          </a:fontRef>
-        </p:style>
-      </p:cxnSp>
-      <p:sp>
-        <p:nvSpPr>
-          <p:cNvPr id="26" name="矩形 25"/>
-          <p:cNvSpPr/>
-          <p:nvPr/>
-        </p:nvSpPr>
-        <p:spPr>
-          <a:xfrm>
-            <a:off x="891470" y="1787142"/>
-            <a:ext cx="10338280" cy="4271520"/>
-          </a:xfrm>
-          <a:prstGeom prst="rect">
-            <a:avLst/>
-          </a:prstGeom>
-          <a:solidFill>
-            <a:srgbClr val="FFFFFF">
-              <a:alpha val="40000"/>
-            </a:srgbClr>
-          </a:solidFill>
-          <a:ln>
-            <a:noFill/>
-          </a:ln>
-        </p:spPr>
-        <p:style>
-          <a:lnRef idx="2">
-            <a:schemeClr val="accent1">
-              <a:shade val="50000"/>
-            </a:schemeClr>
-          </a:lnRef>
-          <a:fillRef idx="1">
-            <a:schemeClr val="accent1"/>
-          </a:fillRef>
-          <a:effectRef idx="0">
-            <a:schemeClr val="accent1"/>
-          </a:effectRef>
-          <a:fontRef idx="minor">
-            <a:schemeClr val="lt1"/>
-          </a:fontRef>
-        </p:style>
-        <p:txBody>
-          <a:bodyPr anchor="ctr"/>
-          <a:lstStyle/>
-          <a:p>
-            <a:pPr fontAlgn="auto">
-              <a:spcBef>
-                <a:spcPts val="0"/>
-              </a:spcBef>
-              <a:spcAft>
-                <a:spcPts val="0"/>
-              </a:spcAft>
-              <a:defRPr/>
-            </a:pPr>
-            <a:r>
-              <a:rPr lang="en-US" altLang="zh-CN" dirty="0" err="1" smtClean="0"/>
-              <a:t>AlarmManager</a:t>
-            </a:r>
-            <a:r>
-              <a:rPr lang="zh-CN" altLang="en-US" dirty="0" smtClean="0"/>
-              <a:t>不仅可用于开发闹钟应用，还可作为一个全局定时器使用，在</a:t>
-            </a:r>
-            <a:r>
-              <a:rPr lang="en-US" altLang="zh-CN" dirty="0" smtClean="0"/>
-              <a:t>Android</a:t>
-            </a:r>
-            <a:r>
-              <a:rPr lang="zh-CN" altLang="en-US" dirty="0" smtClean="0"/>
-              <a:t>应用程序中也是通过</a:t>
-            </a:r>
-            <a:r>
-              <a:rPr lang="en-US" altLang="zh-CN" dirty="0" smtClean="0"/>
-              <a:t>Context</a:t>
-            </a:r>
-            <a:r>
-              <a:rPr lang="zh-CN" altLang="en-US" dirty="0" smtClean="0"/>
-              <a:t>的</a:t>
-            </a:r>
-            <a:r>
-              <a:rPr lang="en-US" altLang="zh-CN" dirty="0" err="1" smtClean="0"/>
-              <a:t>getSystemService</a:t>
-            </a:r>
-            <a:r>
-              <a:rPr lang="en-US" altLang="zh-CN" dirty="0" smtClean="0"/>
-              <a:t>()</a:t>
-            </a:r>
-            <a:r>
-              <a:rPr lang="zh-CN" altLang="en-US" dirty="0" smtClean="0"/>
-              <a:t>方法来获取</a:t>
-            </a:r>
-            <a:r>
-              <a:rPr lang="en-US" altLang="zh-CN" dirty="0" err="1" smtClean="0"/>
-              <a:t>AlarmManager</a:t>
-            </a:r>
-            <a:r>
-              <a:rPr lang="zh-CN" altLang="en-US" dirty="0" smtClean="0"/>
-              <a:t>对象的。一旦程序获取了</a:t>
-            </a:r>
-            <a:r>
-              <a:rPr lang="en-US" altLang="zh-CN" dirty="0" err="1" smtClean="0"/>
-              <a:t>AlarmManager</a:t>
-            </a:r>
-            <a:r>
-              <a:rPr lang="zh-CN" altLang="en-US" dirty="0" smtClean="0"/>
-              <a:t>对象之后，就可调用它的如下方法来设置定时启动指定组件：</a:t>
-            </a:r>
-            <a:endParaRPr lang="en-US" altLang="zh-CN" dirty="0" smtClean="0"/>
-          </a:p>
-          <a:p>
-            <a:pPr fontAlgn="auto">
-              <a:spcBef>
-                <a:spcPts val="0"/>
-              </a:spcBef>
-              <a:spcAft>
-                <a:spcPts val="0"/>
-              </a:spcAft>
-              <a:defRPr/>
-            </a:pPr>
-            <a:endParaRPr lang="en-US" altLang="zh-CN" dirty="0"/>
-          </a:p>
-          <a:p>
-            <a:pPr marL="285750" indent="-285750" fontAlgn="auto">
-              <a:spcBef>
-                <a:spcPts val="0"/>
-              </a:spcBef>
-              <a:spcAft>
-                <a:spcPts val="0"/>
-              </a:spcAft>
-              <a:buFont typeface="Wingdings" panose="05000000000000000000" pitchFamily="2" charset="2"/>
-              <a:buChar char="Ø"/>
-              <a:defRPr/>
-            </a:pPr>
-            <a:r>
-              <a:rPr lang="en-US" altLang="zh-CN" dirty="0"/>
-              <a:t>s</a:t>
-            </a:r>
-            <a:r>
-              <a:rPr lang="en-US" altLang="zh-CN" dirty="0" smtClean="0"/>
-              <a:t>et(</a:t>
-            </a:r>
-            <a:r>
-              <a:rPr lang="en-US" altLang="zh-CN" dirty="0" err="1" smtClean="0"/>
-              <a:t>int</a:t>
-            </a:r>
-            <a:r>
-              <a:rPr lang="en-US" altLang="zh-CN" dirty="0" smtClean="0"/>
-              <a:t> type, long </a:t>
-            </a:r>
-            <a:r>
-              <a:rPr lang="en-US" altLang="zh-CN" dirty="0" err="1" smtClean="0"/>
-              <a:t>triggerAtTime</a:t>
-            </a:r>
-            <a:r>
-              <a:rPr lang="en-US" altLang="zh-CN" dirty="0" smtClean="0"/>
-              <a:t>, </a:t>
-            </a:r>
-            <a:r>
-              <a:rPr lang="en-US" altLang="zh-CN" dirty="0" err="1" smtClean="0"/>
-              <a:t>PendingIntent</a:t>
-            </a:r>
-            <a:r>
-              <a:rPr lang="en-US" altLang="zh-CN" dirty="0" smtClean="0"/>
-              <a:t> operation)</a:t>
-            </a:r>
-            <a:r>
-              <a:rPr lang="zh-CN" altLang="en-US" dirty="0" smtClean="0"/>
-              <a:t>：设置在</a:t>
-            </a:r>
-            <a:r>
-              <a:rPr lang="en-US" altLang="zh-CN" dirty="0" err="1" smtClean="0"/>
-              <a:t>triggerAtTime</a:t>
-            </a:r>
-            <a:r>
-              <a:rPr lang="zh-CN" altLang="en-US" dirty="0" smtClean="0"/>
-              <a:t>时间启动由</a:t>
-            </a:r>
-            <a:r>
-              <a:rPr lang="en-US" altLang="zh-CN" dirty="0" smtClean="0"/>
-              <a:t>operation</a:t>
-            </a:r>
-            <a:r>
-              <a:rPr lang="zh-CN" altLang="en-US" dirty="0" smtClean="0"/>
-              <a:t>参数指定的组件，其中第一个参数指定定时服务的类型。</a:t>
-            </a:r>
-            <a:endParaRPr lang="en-US" altLang="zh-CN" dirty="0" smtClean="0"/>
-          </a:p>
-          <a:p>
-            <a:pPr marL="285750" indent="-285750" fontAlgn="auto">
-              <a:spcBef>
-                <a:spcPts val="0"/>
-              </a:spcBef>
-              <a:spcAft>
-                <a:spcPts val="0"/>
-              </a:spcAft>
-              <a:buFont typeface="Wingdings" panose="05000000000000000000" pitchFamily="2" charset="2"/>
-              <a:buChar char="Ø"/>
-              <a:defRPr/>
-            </a:pPr>
-            <a:r>
-              <a:rPr lang="en-US" altLang="zh-CN" dirty="0" err="1" smtClean="0"/>
-              <a:t>setInexactRepeating</a:t>
-            </a:r>
-            <a:r>
-              <a:rPr lang="en-US" altLang="zh-CN" dirty="0" smtClean="0"/>
-              <a:t>(</a:t>
-            </a:r>
-            <a:r>
-              <a:rPr lang="en-US" altLang="zh-CN" dirty="0" err="1" smtClean="0"/>
-              <a:t>int</a:t>
-            </a:r>
-            <a:r>
-              <a:rPr lang="en-US" altLang="zh-CN" dirty="0" smtClean="0"/>
-              <a:t> type, long </a:t>
-            </a:r>
-            <a:r>
-              <a:rPr lang="en-US" altLang="zh-CN" dirty="0" err="1" smtClean="0"/>
-              <a:t>triggerAtTime</a:t>
-            </a:r>
-            <a:r>
-              <a:rPr lang="en-US" altLang="zh-CN" dirty="0" smtClean="0"/>
-              <a:t>, long interval, </a:t>
-            </a:r>
-            <a:r>
-              <a:rPr lang="en-US" altLang="zh-CN" dirty="0" err="1" smtClean="0"/>
-              <a:t>PendingIntent</a:t>
-            </a:r>
-            <a:r>
-              <a:rPr lang="en-US" altLang="zh-CN" dirty="0" smtClean="0"/>
-              <a:t> operation)</a:t>
-            </a:r>
-            <a:r>
-              <a:rPr lang="zh-CN" altLang="en-US" dirty="0" smtClean="0"/>
-              <a:t>：设置一个非精确的周期性任务。例如，我们设置</a:t>
-            </a:r>
-            <a:r>
-              <a:rPr lang="en-US" altLang="zh-CN" dirty="0" smtClean="0"/>
-              <a:t>Alarm</a:t>
-            </a:r>
-            <a:r>
-              <a:rPr lang="zh-CN" altLang="en-US" dirty="0" smtClean="0"/>
-              <a:t>每个小时启动一次，但系统并不一定总在每个小时的开始启动</a:t>
-            </a:r>
-            <a:r>
-              <a:rPr lang="en-US" altLang="zh-CN" dirty="0" smtClean="0"/>
-              <a:t>Alarm</a:t>
-            </a:r>
-            <a:r>
-              <a:rPr lang="zh-CN" altLang="en-US" dirty="0" smtClean="0"/>
-              <a:t>服务。</a:t>
-            </a:r>
-            <a:endParaRPr lang="en-US" altLang="zh-CN" dirty="0" smtClean="0"/>
-          </a:p>
-          <a:p>
-            <a:pPr marL="285750" indent="-285750" fontAlgn="auto">
-              <a:spcBef>
-                <a:spcPts val="0"/>
-              </a:spcBef>
-              <a:spcAft>
-                <a:spcPts val="0"/>
-              </a:spcAft>
-              <a:buFont typeface="Wingdings" panose="05000000000000000000" pitchFamily="2" charset="2"/>
-              <a:buChar char="Ø"/>
-              <a:defRPr/>
-            </a:pPr>
-            <a:r>
-              <a:rPr lang="en-US" altLang="zh-CN" dirty="0" err="1" smtClean="0"/>
-              <a:t>setRepeating</a:t>
-            </a:r>
-            <a:r>
-              <a:rPr lang="en-US" altLang="zh-CN" dirty="0" smtClean="0"/>
-              <a:t>(</a:t>
-            </a:r>
-            <a:r>
-              <a:rPr lang="en-US" altLang="zh-CN" dirty="0" err="1" smtClean="0"/>
-              <a:t>int</a:t>
-            </a:r>
-            <a:r>
-              <a:rPr lang="en-US" altLang="zh-CN" dirty="0" smtClean="0"/>
-              <a:t> type, long </a:t>
-            </a:r>
-            <a:r>
-              <a:rPr lang="en-US" altLang="zh-CN" dirty="0" err="1" smtClean="0"/>
-              <a:t>triggerAtTime</a:t>
-            </a:r>
-            <a:r>
-              <a:rPr lang="en-US" altLang="zh-CN" dirty="0" smtClean="0"/>
-              <a:t>, long interval, </a:t>
-            </a:r>
-            <a:r>
-              <a:rPr lang="en-US" altLang="zh-CN" dirty="0" err="1" smtClean="0"/>
-              <a:t>PendingIntent</a:t>
-            </a:r>
-            <a:r>
-              <a:rPr lang="en-US" altLang="zh-CN" dirty="0" smtClean="0"/>
-              <a:t> operation)</a:t>
-            </a:r>
-            <a:r>
-              <a:rPr lang="zh-CN" altLang="en-US" dirty="0" smtClean="0"/>
-              <a:t>：设置一个周期性执行的定时任务。</a:t>
-            </a:r>
-            <a:endParaRPr lang="en-US" altLang="zh-CN" dirty="0" smtClean="0"/>
-          </a:p>
-          <a:p>
-            <a:pPr marL="285750" indent="-285750" fontAlgn="auto">
-              <a:spcBef>
-                <a:spcPts val="0"/>
-              </a:spcBef>
-              <a:spcAft>
-                <a:spcPts val="0"/>
-              </a:spcAft>
-              <a:buFont typeface="Wingdings" panose="05000000000000000000" pitchFamily="2" charset="2"/>
-              <a:buChar char="Ø"/>
-              <a:defRPr/>
-            </a:pPr>
-            <a:r>
-              <a:rPr lang="en-US" altLang="zh-CN" dirty="0"/>
-              <a:t>c</a:t>
-            </a:r>
-            <a:r>
-              <a:rPr lang="en-US" altLang="zh-CN" dirty="0" smtClean="0"/>
-              <a:t>ancel(</a:t>
-            </a:r>
-            <a:r>
-              <a:rPr lang="en-US" altLang="zh-CN" dirty="0" err="1" smtClean="0"/>
-              <a:t>PendingIntent</a:t>
-            </a:r>
-            <a:r>
-              <a:rPr lang="en-US" altLang="zh-CN" dirty="0" smtClean="0"/>
-              <a:t> operation)</a:t>
-            </a:r>
-            <a:r>
-              <a:rPr lang="zh-CN" altLang="en-US" dirty="0" smtClean="0"/>
-              <a:t>：取消</a:t>
-            </a:r>
-            <a:r>
-              <a:rPr lang="en-US" altLang="zh-CN" dirty="0" err="1" smtClean="0"/>
-              <a:t>AlarmManager</a:t>
-            </a:r>
-            <a:r>
-              <a:rPr lang="zh-CN" altLang="en-US" dirty="0" smtClean="0"/>
-              <a:t>的定时服务。</a:t>
-            </a:r>
-            <a:endParaRPr lang="en-US" altLang="zh-CN" dirty="0"/>
-          </a:p>
-        </p:txBody>
-      </p:sp>
-      <p:pic>
-        <p:nvPicPr>
-          <p:cNvPr id="6" name="图片 5"/>
-          <p:cNvPicPr>
-            <a:picLocks noChangeAspect="1"/>
-          </p:cNvPicPr>
-          <p:nvPr/>
-        </p:nvPicPr>
-        <p:blipFill>
-          <a:blip r:embed="rId3"/>
-          <a:stretch>
-            <a:fillRect/>
-          </a:stretch>
-        </p:blipFill>
-        <p:spPr>
-          <a:xfrm>
-            <a:off x="4565185" y="1858137"/>
-            <a:ext cx="2990850" cy="4200525"/>
-          </a:xfrm>
-          <a:prstGeom prst="rect">
-            <a:avLst/>
-          </a:prstGeom>
-        </p:spPr>
-      </p:pic>
-    </p:spTree>
-    <p:extLst>
-      <p:ext uri="{BB962C8B-B14F-4D97-AF65-F5344CB8AC3E}">
-        <p14:creationId xmlns:p14="http://schemas.microsoft.com/office/powerpoint/2010/main" val="2072385488"/>
-      </p:ext>
-    </p:extLst>
-  </p:cSld>
-  <p:clrMapOvr>
-    <a:masterClrMapping/>
-  </p:clrMapOvr>
-  <p:timing>
-    <p:tnLst>
-      <p:par>
-        <p:cTn id="1" dur="indefinite" restart="never" nodeType="tmRoot">
-          <p:childTnLst>
-            <p:seq concurrent="1" nextAc="seek">
-              <p:cTn id="2" dur="indefinite" nodeType="mainSeq">
-                <p:childTnLst>
-                  <p:par>
-                    <p:cTn id="3" fill="hold">
-                      <p:stCondLst>
-                        <p:cond delay="indefinite"/>
-                      </p:stCondLst>
-                      <p:childTnLst>
-                        <p:par>
-                          <p:cTn id="4" fill="hold">
-                            <p:stCondLst>
-                              <p:cond delay="0"/>
-                            </p:stCondLst>
-                            <p:childTnLst>
-                              <p:par>
-                                <p:cTn id="5" presetID="42" presetClass="entr" presetSubtype="0" fill="hold" nodeType="clickEffect">
-                                  <p:stCondLst>
-                                    <p:cond delay="0"/>
-                                  </p:stCondLst>
-                                  <p:childTnLst>
-                                    <p:set>
-                                      <p:cBhvr>
-                                        <p:cTn id="6" dur="1" fill="hold">
-                                          <p:stCondLst>
-                                            <p:cond delay="0"/>
-                                          </p:stCondLst>
-                                        </p:cTn>
-                                        <p:tgtEl>
-                                          <p:spTgt spid="6"/>
-                                        </p:tgtEl>
-                                        <p:attrNameLst>
-                                          <p:attrName>style.visibility</p:attrName>
-                                        </p:attrNameLst>
-                                      </p:cBhvr>
-                                      <p:to>
-                                        <p:strVal val="visible"/>
-                                      </p:to>
-                                    </p:set>
-                                    <p:animEffect transition="in" filter="fade">
-                                      <p:cBhvr>
-                                        <p:cTn id="7" dur="500"/>
-                                        <p:tgtEl>
-                                          <p:spTgt spid="6"/>
-                                        </p:tgtEl>
-                                      </p:cBhvr>
-                                    </p:animEffect>
-                                    <p:anim calcmode="lin" valueType="num">
-                                      <p:cBhvr>
-                                        <p:cTn id="8" dur="500" fill="hold"/>
-                                        <p:tgtEl>
-                                          <p:spTgt spid="6"/>
-                                        </p:tgtEl>
-                                        <p:attrNameLst>
-                                          <p:attrName>ppt_x</p:attrName>
-                                        </p:attrNameLst>
-                                      </p:cBhvr>
-                                      <p:tavLst>
-                                        <p:tav tm="0">
-                                          <p:val>
-                                            <p:strVal val="#ppt_x"/>
-                                          </p:val>
-                                        </p:tav>
-                                        <p:tav tm="100000">
-                                          <p:val>
-                                            <p:strVal val="#ppt_x"/>
-                                          </p:val>
-                                        </p:tav>
-                                      </p:tavLst>
-                                    </p:anim>
-                                    <p:anim calcmode="lin" valueType="num">
-                                      <p:cBhvr>
-                                        <p:cTn id="9" dur="500" fill="hold"/>
-                                        <p:tgtEl>
-                                          <p:spTgt spid="6"/>
-                                        </p:tgtEl>
-                                        <p:attrNameLst>
-                                          <p:attrName>ppt_y</p:attrName>
-                                        </p:attrNameLst>
-                                      </p:cBhvr>
-                                      <p:tavLst>
-                                        <p:tav tm="0">
-                                          <p:val>
-                                            <p:strVal val="#ppt_y+.1"/>
-                                          </p:val>
-                                        </p:tav>
-                                        <p:tav tm="100000">
-                                          <p:val>
-                                            <p:strVal val="#ppt_y"/>
-                                          </p:val>
-                                        </p:tav>
-                                      </p:tavLst>
-                                    </p:anim>
-                                  </p:childTnLst>
-                                </p:cTn>
-                              </p:par>
-                            </p:childTnLst>
-                          </p:cTn>
-                        </p:par>
-                      </p:childTnLst>
-                    </p:cTn>
-                  </p:par>
-                </p:childTnLst>
-              </p:cTn>
-              <p:prevCondLst>
-                <p:cond evt="onPrev" delay="0">
-                  <p:tgtEl>
-                    <p:sldTgt/>
-                  </p:tgtEl>
-                </p:cond>
-              </p:prevCondLst>
-              <p:nextCondLst>
-                <p:cond evt="onNext" delay="0">
-                  <p:tgtEl>
-                    <p:sldTgt/>
-                  </p:tgtEl>
-                </p:cond>
-              </p:nextCondLst>
-            </p:seq>
-          </p:childTnLst>
-        </p:cTn>
-      </p:par>
-    </p:tnLst>
-  </p:timing>
-</p:sld>
-</file>
-
 <file path=ppt/slides/slide2.xml><?xml version="1.0" encoding="utf-8"?>
 <p:sld xmlns:a="http://schemas.openxmlformats.org/drawingml/2006/main" xmlns:r="http://schemas.openxmlformats.org/officeDocument/2006/relationships" xmlns:p="http://schemas.openxmlformats.org/presentationml/2006/main">
   <p:cSld>
@@ -11703,14 +11580,14 @@
           </a:ln>
           <a:extLst>
             <a:ext uri="{909E8E84-426E-40dd-AFC4-6F175D3DCCD1}">
-              <a14:hiddenFill xmlns:a14="http://schemas.microsoft.com/office/drawing/2010/main" xmlns="">
+              <a14:hiddenFill xmlns="" xmlns:a14="http://schemas.microsoft.com/office/drawing/2010/main">
                 <a:solidFill>
                   <a:srgbClr val="FFFFFF"/>
                 </a:solidFill>
               </a14:hiddenFill>
             </a:ext>
             <a:ext uri="{91240B29-F687-4f45-9708-019B960494DF}">
-              <a14:hiddenLine xmlns:a14="http://schemas.microsoft.com/office/drawing/2010/main" xmlns="" w="9525">
+              <a14:hiddenLine xmlns="" xmlns:a14="http://schemas.microsoft.com/office/drawing/2010/main" w="9525">
                 <a:solidFill>
                   <a:srgbClr val="000000"/>
                 </a:solidFill>
@@ -12105,14 +11982,14 @@
               </a:ln>
               <a:extLst>
                 <a:ext uri="{909E8E84-426E-40dd-AFC4-6F175D3DCCD1}">
-                  <a14:hiddenFill xmlns:a14="http://schemas.microsoft.com/office/drawing/2010/main" xmlns="">
+                  <a14:hiddenFill xmlns="" xmlns:a14="http://schemas.microsoft.com/office/drawing/2010/main">
                     <a:solidFill>
                       <a:srgbClr val="FFFFFF"/>
                     </a:solidFill>
                   </a14:hiddenFill>
                 </a:ext>
                 <a:ext uri="{91240B29-F687-4f45-9708-019B960494DF}">
-                  <a14:hiddenLine xmlns:a14="http://schemas.microsoft.com/office/drawing/2010/main" xmlns="" w="9525">
+                  <a14:hiddenLine xmlns="" xmlns:a14="http://schemas.microsoft.com/office/drawing/2010/main" w="9525">
                     <a:solidFill>
                       <a:srgbClr val="000000"/>
                     </a:solidFill>
@@ -12383,14 +12260,14 @@
             </a:ln>
             <a:extLst>
               <a:ext uri="{909E8E84-426E-40dd-AFC4-6F175D3DCCD1}">
-                <a14:hiddenFill xmlns:a14="http://schemas.microsoft.com/office/drawing/2010/main" xmlns="">
+                <a14:hiddenFill xmlns="" xmlns:a14="http://schemas.microsoft.com/office/drawing/2010/main">
                   <a:solidFill>
                     <a:srgbClr val="FFFFFF"/>
                   </a:solidFill>
                 </a14:hiddenFill>
               </a:ext>
               <a:ext uri="{91240B29-F687-4f45-9708-019B960494DF}">
-                <a14:hiddenLine xmlns:a14="http://schemas.microsoft.com/office/drawing/2010/main" xmlns="" w="9525">
+                <a14:hiddenLine xmlns="" xmlns:a14="http://schemas.microsoft.com/office/drawing/2010/main" w="9525">
                   <a:solidFill>
                     <a:srgbClr val="000000"/>
                   </a:solidFill>
@@ -12759,14 +12636,14 @@
               </a:ln>
               <a:extLst>
                 <a:ext uri="{909E8E84-426E-40dd-AFC4-6F175D3DCCD1}">
-                  <a14:hiddenFill xmlns:a14="http://schemas.microsoft.com/office/drawing/2010/main" xmlns="">
+                  <a14:hiddenFill xmlns="" xmlns:a14="http://schemas.microsoft.com/office/drawing/2010/main">
                     <a:solidFill>
                       <a:srgbClr val="FFFFFF"/>
                     </a:solidFill>
                   </a14:hiddenFill>
                 </a:ext>
                 <a:ext uri="{91240B29-F687-4f45-9708-019B960494DF}">
-                  <a14:hiddenLine xmlns:a14="http://schemas.microsoft.com/office/drawing/2010/main" xmlns="" w="9525">
+                  <a14:hiddenLine xmlns="" xmlns:a14="http://schemas.microsoft.com/office/drawing/2010/main" w="9525">
                     <a:solidFill>
                       <a:srgbClr val="000000"/>
                     </a:solidFill>
@@ -13037,14 +12914,14 @@
             </a:ln>
             <a:extLst>
               <a:ext uri="{909E8E84-426E-40dd-AFC4-6F175D3DCCD1}">
-                <a14:hiddenFill xmlns:a14="http://schemas.microsoft.com/office/drawing/2010/main" xmlns="">
+                <a14:hiddenFill xmlns="" xmlns:a14="http://schemas.microsoft.com/office/drawing/2010/main">
                   <a:solidFill>
                     <a:srgbClr val="FFFFFF"/>
                   </a:solidFill>
                 </a14:hiddenFill>
               </a:ext>
               <a:ext uri="{91240B29-F687-4f45-9708-019B960494DF}">
-                <a14:hiddenLine xmlns:a14="http://schemas.microsoft.com/office/drawing/2010/main" xmlns="" w="9525">
+                <a14:hiddenLine xmlns="" xmlns:a14="http://schemas.microsoft.com/office/drawing/2010/main" w="9525">
                   <a:solidFill>
                     <a:srgbClr val="000000"/>
                   </a:solidFill>
@@ -13413,14 +13290,14 @@
               </a:ln>
               <a:extLst>
                 <a:ext uri="{909E8E84-426E-40dd-AFC4-6F175D3DCCD1}">
-                  <a14:hiddenFill xmlns:a14="http://schemas.microsoft.com/office/drawing/2010/main" xmlns="">
+                  <a14:hiddenFill xmlns="" xmlns:a14="http://schemas.microsoft.com/office/drawing/2010/main">
                     <a:solidFill>
                       <a:srgbClr val="FFFFFF"/>
                     </a:solidFill>
                   </a14:hiddenFill>
                 </a:ext>
                 <a:ext uri="{91240B29-F687-4f45-9708-019B960494DF}">
-                  <a14:hiddenLine xmlns:a14="http://schemas.microsoft.com/office/drawing/2010/main" xmlns="" w="9525">
+                  <a14:hiddenLine xmlns="" xmlns:a14="http://schemas.microsoft.com/office/drawing/2010/main" w="9525">
                     <a:solidFill>
                       <a:srgbClr val="000000"/>
                     </a:solidFill>
@@ -13691,14 +13568,14 @@
             </a:ln>
             <a:extLst>
               <a:ext uri="{909E8E84-426E-40dd-AFC4-6F175D3DCCD1}">
-                <a14:hiddenFill xmlns:a14="http://schemas.microsoft.com/office/drawing/2010/main" xmlns="">
+                <a14:hiddenFill xmlns="" xmlns:a14="http://schemas.microsoft.com/office/drawing/2010/main">
                   <a:solidFill>
                     <a:srgbClr val="FFFFFF"/>
                   </a:solidFill>
                 </a14:hiddenFill>
               </a:ext>
               <a:ext uri="{91240B29-F687-4f45-9708-019B960494DF}">
-                <a14:hiddenLine xmlns:a14="http://schemas.microsoft.com/office/drawing/2010/main" xmlns="" w="9525">
+                <a14:hiddenLine xmlns="" xmlns:a14="http://schemas.microsoft.com/office/drawing/2010/main" w="9525">
                   <a:solidFill>
                     <a:srgbClr val="000000"/>
                   </a:solidFill>
@@ -14047,14 +13924,14 @@
               </a:ln>
               <a:extLst>
                 <a:ext uri="{909E8E84-426E-40dd-AFC4-6F175D3DCCD1}">
-                  <a14:hiddenFill xmlns:a14="http://schemas.microsoft.com/office/drawing/2010/main" xmlns="">
+                  <a14:hiddenFill xmlns="" xmlns:a14="http://schemas.microsoft.com/office/drawing/2010/main">
                     <a:solidFill>
                       <a:srgbClr val="FFFFFF"/>
                     </a:solidFill>
                   </a14:hiddenFill>
                 </a:ext>
                 <a:ext uri="{91240B29-F687-4f45-9708-019B960494DF}">
-                  <a14:hiddenLine xmlns:a14="http://schemas.microsoft.com/office/drawing/2010/main" xmlns="" w="9525">
+                  <a14:hiddenLine xmlns="" xmlns:a14="http://schemas.microsoft.com/office/drawing/2010/main" w="9525">
                     <a:solidFill>
                       <a:srgbClr val="000000"/>
                     </a:solidFill>
@@ -14325,14 +14202,14 @@
             </a:ln>
             <a:extLst>
               <a:ext uri="{909E8E84-426E-40dd-AFC4-6F175D3DCCD1}">
-                <a14:hiddenFill xmlns:a14="http://schemas.microsoft.com/office/drawing/2010/main" xmlns="">
+                <a14:hiddenFill xmlns="" xmlns:a14="http://schemas.microsoft.com/office/drawing/2010/main">
                   <a:solidFill>
                     <a:srgbClr val="FFFFFF"/>
                   </a:solidFill>
                 </a14:hiddenFill>
               </a:ext>
               <a:ext uri="{91240B29-F687-4f45-9708-019B960494DF}">
-                <a14:hiddenLine xmlns:a14="http://schemas.microsoft.com/office/drawing/2010/main" xmlns="" w="9525">
+                <a14:hiddenLine xmlns="" xmlns:a14="http://schemas.microsoft.com/office/drawing/2010/main" w="9525">
                   <a:solidFill>
                     <a:srgbClr val="000000"/>
                   </a:solidFill>
@@ -14681,14 +14558,14 @@
               </a:ln>
               <a:extLst>
                 <a:ext uri="{909E8E84-426E-40dd-AFC4-6F175D3DCCD1}">
-                  <a14:hiddenFill xmlns:a14="http://schemas.microsoft.com/office/drawing/2010/main" xmlns="">
+                  <a14:hiddenFill xmlns="" xmlns:a14="http://schemas.microsoft.com/office/drawing/2010/main">
                     <a:solidFill>
                       <a:srgbClr val="FFFFFF"/>
                     </a:solidFill>
                   </a14:hiddenFill>
                 </a:ext>
                 <a:ext uri="{91240B29-F687-4f45-9708-019B960494DF}">
-                  <a14:hiddenLine xmlns:a14="http://schemas.microsoft.com/office/drawing/2010/main" xmlns="" w="9525">
+                  <a14:hiddenLine xmlns="" xmlns:a14="http://schemas.microsoft.com/office/drawing/2010/main" w="9525">
                     <a:solidFill>
                       <a:srgbClr val="000000"/>
                     </a:solidFill>
@@ -14959,14 +14836,14 @@
             </a:ln>
             <a:extLst>
               <a:ext uri="{909E8E84-426E-40dd-AFC4-6F175D3DCCD1}">
-                <a14:hiddenFill xmlns:a14="http://schemas.microsoft.com/office/drawing/2010/main" xmlns="">
+                <a14:hiddenFill xmlns="" xmlns:a14="http://schemas.microsoft.com/office/drawing/2010/main">
                   <a:solidFill>
                     <a:srgbClr val="FFFFFF"/>
                   </a:solidFill>
                 </a14:hiddenFill>
               </a:ext>
               <a:ext uri="{91240B29-F687-4f45-9708-019B960494DF}">
-                <a14:hiddenLine xmlns:a14="http://schemas.microsoft.com/office/drawing/2010/main" xmlns="" w="9525">
+                <a14:hiddenLine xmlns="" xmlns:a14="http://schemas.microsoft.com/office/drawing/2010/main" w="9525">
                   <a:solidFill>
                     <a:srgbClr val="000000"/>
                   </a:solidFill>
@@ -15667,6 +15544,646 @@
       </p:grpSpPr>
       <p:sp>
         <p:nvSpPr>
+          <p:cNvPr id="55297" name="文本框 3"/>
+          <p:cNvSpPr txBox="1">
+            <a:spLocks noChangeArrowheads="1"/>
+          </p:cNvSpPr>
+          <p:nvPr/>
+        </p:nvSpPr>
+        <p:spPr bwMode="auto">
+          <a:xfrm>
+            <a:off x="2623384" y="319344"/>
+            <a:ext cx="7155805" cy="830997"/>
+          </a:xfrm>
+          <a:prstGeom prst="rect">
+            <a:avLst/>
+          </a:prstGeom>
+          <a:noFill/>
+          <a:ln w="9525">
+            <a:noFill/>
+            <a:miter lim="800000"/>
+            <a:headEnd/>
+            <a:tailEnd/>
+          </a:ln>
+        </p:spPr>
+        <p:txBody>
+          <a:bodyPr wrap="none">
+            <a:spAutoFit/>
+          </a:bodyPr>
+          <a:lstStyle/>
+          <a:p>
+            <a:r>
+              <a:rPr lang="zh-CN" altLang="en-US" sz="4800" dirty="0" smtClean="0">
+                <a:solidFill>
+                  <a:schemeClr val="bg1"/>
+                </a:solidFill>
+                <a:latin typeface="Calibri" pitchFamily="34" charset="0"/>
+                <a:ea typeface="方正大黑简体" pitchFamily="2" charset="-122"/>
+              </a:rPr>
+              <a:t>手机闹钟服务（</a:t>
+            </a:r>
+            <a:r>
+              <a:rPr lang="en-US" altLang="zh-CN" sz="4800" dirty="0" smtClean="0">
+                <a:solidFill>
+                  <a:schemeClr val="bg1"/>
+                </a:solidFill>
+                <a:latin typeface="Calibri" pitchFamily="34" charset="0"/>
+                <a:ea typeface="方正大黑简体" pitchFamily="2" charset="-122"/>
+              </a:rPr>
+              <a:t>Vibrator</a:t>
+            </a:r>
+            <a:r>
+              <a:rPr lang="zh-CN" altLang="en-US" sz="4800" dirty="0" smtClean="0">
+                <a:solidFill>
+                  <a:schemeClr val="bg1"/>
+                </a:solidFill>
+                <a:latin typeface="Calibri" pitchFamily="34" charset="0"/>
+                <a:ea typeface="方正大黑简体" pitchFamily="2" charset="-122"/>
+              </a:rPr>
+              <a:t>）</a:t>
+            </a:r>
+            <a:endParaRPr lang="zh-CN" altLang="en-US" sz="4800" dirty="0">
+              <a:solidFill>
+                <a:schemeClr val="bg1"/>
+              </a:solidFill>
+              <a:latin typeface="Calibri" pitchFamily="34" charset="0"/>
+              <a:ea typeface="方正大黑简体" pitchFamily="2" charset="-122"/>
+            </a:endParaRPr>
+          </a:p>
+        </p:txBody>
+      </p:sp>
+      <p:cxnSp>
+        <p:nvCxnSpPr>
+          <p:cNvPr id="5" name="直接连接符 4"/>
+          <p:cNvCxnSpPr/>
+          <p:nvPr/>
+        </p:nvCxnSpPr>
+        <p:spPr>
+          <a:xfrm>
+            <a:off x="891470" y="1278827"/>
+            <a:ext cx="9729788" cy="0"/>
+          </a:xfrm>
+          <a:prstGeom prst="line">
+            <a:avLst/>
+          </a:prstGeom>
+          <a:ln>
+            <a:solidFill>
+              <a:schemeClr val="bg1"/>
+            </a:solidFill>
+          </a:ln>
+        </p:spPr>
+        <p:style>
+          <a:lnRef idx="1">
+            <a:schemeClr val="accent1"/>
+          </a:lnRef>
+          <a:fillRef idx="0">
+            <a:schemeClr val="accent1"/>
+          </a:fillRef>
+          <a:effectRef idx="0">
+            <a:schemeClr val="accent1"/>
+          </a:effectRef>
+          <a:fontRef idx="minor">
+            <a:schemeClr val="tx1"/>
+          </a:fontRef>
+        </p:style>
+      </p:cxnSp>
+      <p:sp>
+        <p:nvSpPr>
+          <p:cNvPr id="26" name="矩形 25"/>
+          <p:cNvSpPr/>
+          <p:nvPr/>
+        </p:nvSpPr>
+        <p:spPr>
+          <a:xfrm>
+            <a:off x="1199418" y="1421858"/>
+            <a:ext cx="10338280" cy="4271520"/>
+          </a:xfrm>
+          <a:prstGeom prst="rect">
+            <a:avLst/>
+          </a:prstGeom>
+          <a:solidFill>
+            <a:srgbClr val="FFFFFF">
+              <a:alpha val="40000"/>
+            </a:srgbClr>
+          </a:solidFill>
+          <a:ln>
+            <a:noFill/>
+          </a:ln>
+        </p:spPr>
+        <p:style>
+          <a:lnRef idx="2">
+            <a:schemeClr val="accent1">
+              <a:shade val="50000"/>
+            </a:schemeClr>
+          </a:lnRef>
+          <a:fillRef idx="1">
+            <a:schemeClr val="accent1"/>
+          </a:fillRef>
+          <a:effectRef idx="0">
+            <a:schemeClr val="accent1"/>
+          </a:effectRef>
+          <a:fontRef idx="minor">
+            <a:schemeClr val="lt1"/>
+          </a:fontRef>
+        </p:style>
+        <p:txBody>
+          <a:bodyPr anchor="ctr"/>
+          <a:lstStyle/>
+          <a:p>
+            <a:pPr fontAlgn="auto">
+              <a:spcBef>
+                <a:spcPts val="0"/>
+              </a:spcBef>
+              <a:spcAft>
+                <a:spcPts val="0"/>
+              </a:spcAft>
+              <a:defRPr/>
+            </a:pPr>
+            <a:r>
+              <a:rPr lang="en-US" altLang="zh-CN" dirty="0" err="1" smtClean="0"/>
+              <a:t>AlarmManager</a:t>
+            </a:r>
+            <a:r>
+              <a:rPr lang="zh-CN" altLang="en-US" dirty="0" smtClean="0"/>
+              <a:t>不仅可用于开发闹钟应用，还可作为一个全局定时器使用，在</a:t>
+            </a:r>
+            <a:r>
+              <a:rPr lang="en-US" altLang="zh-CN" dirty="0" smtClean="0"/>
+              <a:t>Android</a:t>
+            </a:r>
+            <a:r>
+              <a:rPr lang="zh-CN" altLang="en-US" dirty="0" smtClean="0"/>
+              <a:t>应用程序中也是通过</a:t>
+            </a:r>
+            <a:r>
+              <a:rPr lang="en-US" altLang="zh-CN" dirty="0" smtClean="0"/>
+              <a:t>Context</a:t>
+            </a:r>
+            <a:r>
+              <a:rPr lang="zh-CN" altLang="en-US" dirty="0" smtClean="0"/>
+              <a:t>的</a:t>
+            </a:r>
+            <a:r>
+              <a:rPr lang="en-US" altLang="zh-CN" dirty="0" err="1"/>
+              <a:t>AlarmManager</a:t>
+            </a:r>
+            <a:r>
+              <a:rPr lang="en-US" altLang="zh-CN" dirty="0"/>
+              <a:t> am = (</a:t>
+            </a:r>
+            <a:r>
+              <a:rPr lang="en-US" altLang="zh-CN" dirty="0" err="1"/>
+              <a:t>AlarmManager</a:t>
+            </a:r>
+            <a:r>
+              <a:rPr lang="en-US" altLang="zh-CN" dirty="0"/>
+              <a:t>) </a:t>
+            </a:r>
+            <a:r>
+              <a:rPr lang="en-US" altLang="zh-CN" dirty="0" err="1"/>
+              <a:t>getSystemService</a:t>
+            </a:r>
+            <a:r>
+              <a:rPr lang="en-US" altLang="zh-CN" dirty="0"/>
+              <a:t>(ALARM_SERVICE</a:t>
+            </a:r>
+            <a:r>
+              <a:rPr lang="en-US" altLang="zh-CN" dirty="0" smtClean="0"/>
+              <a:t>)</a:t>
+            </a:r>
+            <a:r>
+              <a:rPr lang="zh-CN" altLang="en-US" dirty="0" smtClean="0"/>
+              <a:t>。</a:t>
+            </a:r>
+            <a:r>
+              <a:rPr lang="zh-CN" altLang="en-US" dirty="0" smtClean="0"/>
+              <a:t>一旦</a:t>
+            </a:r>
+            <a:r>
+              <a:rPr lang="zh-CN" altLang="en-US" dirty="0" smtClean="0"/>
+              <a:t>程序获取了</a:t>
+            </a:r>
+            <a:r>
+              <a:rPr lang="en-US" altLang="zh-CN" dirty="0" err="1" smtClean="0"/>
+              <a:t>AlarmManager</a:t>
+            </a:r>
+            <a:r>
+              <a:rPr lang="zh-CN" altLang="en-US" dirty="0" smtClean="0"/>
+              <a:t>对象之后，就可调用它的如下方法来设置定时启动指定组件：</a:t>
+            </a:r>
+            <a:endParaRPr lang="en-US" altLang="zh-CN" dirty="0" smtClean="0"/>
+          </a:p>
+          <a:p>
+            <a:pPr marL="285750" indent="-285750" fontAlgn="auto">
+              <a:spcBef>
+                <a:spcPts val="0"/>
+              </a:spcBef>
+              <a:spcAft>
+                <a:spcPts val="0"/>
+              </a:spcAft>
+              <a:buFont typeface="Wingdings" panose="05000000000000000000" pitchFamily="2" charset="2"/>
+              <a:buChar char="Ø"/>
+              <a:defRPr/>
+            </a:pPr>
+            <a:r>
+              <a:rPr lang="en-US" altLang="zh-CN" dirty="0" smtClean="0"/>
+              <a:t>set(</a:t>
+            </a:r>
+            <a:r>
+              <a:rPr lang="en-US" altLang="zh-CN" dirty="0" err="1" smtClean="0"/>
+              <a:t>int</a:t>
+            </a:r>
+            <a:r>
+              <a:rPr lang="en-US" altLang="zh-CN" dirty="0" smtClean="0"/>
+              <a:t> </a:t>
+            </a:r>
+            <a:r>
+              <a:rPr lang="en-US" altLang="zh-CN" dirty="0" smtClean="0"/>
+              <a:t>type, long </a:t>
+            </a:r>
+            <a:r>
+              <a:rPr lang="en-US" altLang="zh-CN" dirty="0" err="1" smtClean="0"/>
+              <a:t>triggerAtTime</a:t>
+            </a:r>
+            <a:r>
+              <a:rPr lang="en-US" altLang="zh-CN" dirty="0" smtClean="0"/>
+              <a:t>, </a:t>
+            </a:r>
+            <a:r>
+              <a:rPr lang="en-US" altLang="zh-CN" dirty="0" err="1" smtClean="0"/>
+              <a:t>PendingIntent</a:t>
+            </a:r>
+            <a:r>
+              <a:rPr lang="en-US" altLang="zh-CN" dirty="0" smtClean="0"/>
+              <a:t> operation)</a:t>
+            </a:r>
+            <a:r>
+              <a:rPr lang="zh-CN" altLang="en-US" dirty="0" smtClean="0"/>
+              <a:t>：设置在</a:t>
+            </a:r>
+            <a:r>
+              <a:rPr lang="en-US" altLang="zh-CN" dirty="0" err="1" smtClean="0"/>
+              <a:t>triggerAtTime</a:t>
+            </a:r>
+            <a:r>
+              <a:rPr lang="zh-CN" altLang="en-US" dirty="0" smtClean="0"/>
+              <a:t>时间启动由</a:t>
+            </a:r>
+            <a:r>
+              <a:rPr lang="en-US" altLang="zh-CN" dirty="0" smtClean="0"/>
+              <a:t>operation</a:t>
+            </a:r>
+            <a:r>
+              <a:rPr lang="zh-CN" altLang="en-US" dirty="0" smtClean="0"/>
+              <a:t>参数指定的组件，其中第一个参数指定定时服务的类型。</a:t>
+            </a:r>
+            <a:endParaRPr lang="en-US" altLang="zh-CN" dirty="0" smtClean="0"/>
+          </a:p>
+          <a:p>
+            <a:pPr marL="285750" indent="-285750" fontAlgn="auto">
+              <a:spcBef>
+                <a:spcPts val="0"/>
+              </a:spcBef>
+              <a:spcAft>
+                <a:spcPts val="0"/>
+              </a:spcAft>
+              <a:buFont typeface="Wingdings" panose="05000000000000000000" pitchFamily="2" charset="2"/>
+              <a:buChar char="Ø"/>
+              <a:defRPr/>
+            </a:pPr>
+            <a:r>
+              <a:rPr lang="en-US" altLang="zh-CN" dirty="0" err="1" smtClean="0"/>
+              <a:t>setInexactRepeating</a:t>
+            </a:r>
+            <a:r>
+              <a:rPr lang="en-US" altLang="zh-CN" dirty="0" smtClean="0"/>
+              <a:t>(</a:t>
+            </a:r>
+            <a:r>
+              <a:rPr lang="en-US" altLang="zh-CN" dirty="0" err="1" smtClean="0"/>
+              <a:t>int</a:t>
+            </a:r>
+            <a:r>
+              <a:rPr lang="en-US" altLang="zh-CN" dirty="0" smtClean="0"/>
+              <a:t> type, long </a:t>
+            </a:r>
+            <a:r>
+              <a:rPr lang="en-US" altLang="zh-CN" dirty="0" err="1" smtClean="0"/>
+              <a:t>triggerAtTime</a:t>
+            </a:r>
+            <a:r>
+              <a:rPr lang="en-US" altLang="zh-CN" dirty="0" smtClean="0"/>
+              <a:t>, long interval, </a:t>
+            </a:r>
+            <a:r>
+              <a:rPr lang="en-US" altLang="zh-CN" dirty="0" err="1" smtClean="0"/>
+              <a:t>PendingIntent</a:t>
+            </a:r>
+            <a:r>
+              <a:rPr lang="en-US" altLang="zh-CN" dirty="0" smtClean="0"/>
+              <a:t> operation)</a:t>
+            </a:r>
+            <a:r>
+              <a:rPr lang="zh-CN" altLang="en-US" dirty="0" smtClean="0"/>
+              <a:t>：设置一个非精确的周期性任务。例如，我们设置</a:t>
+            </a:r>
+            <a:r>
+              <a:rPr lang="en-US" altLang="zh-CN" dirty="0" smtClean="0"/>
+              <a:t>Alarm</a:t>
+            </a:r>
+            <a:r>
+              <a:rPr lang="zh-CN" altLang="en-US" dirty="0" smtClean="0"/>
+              <a:t>每个小时启动一次，但系统并不一定总在每个小时的开始启动</a:t>
+            </a:r>
+            <a:r>
+              <a:rPr lang="en-US" altLang="zh-CN" dirty="0" smtClean="0"/>
+              <a:t>Alarm</a:t>
+            </a:r>
+            <a:r>
+              <a:rPr lang="zh-CN" altLang="en-US" dirty="0" smtClean="0"/>
+              <a:t>服务。</a:t>
+            </a:r>
+            <a:endParaRPr lang="en-US" altLang="zh-CN" dirty="0" smtClean="0"/>
+          </a:p>
+          <a:p>
+            <a:pPr marL="285750" indent="-285750" fontAlgn="auto">
+              <a:spcBef>
+                <a:spcPts val="0"/>
+              </a:spcBef>
+              <a:spcAft>
+                <a:spcPts val="0"/>
+              </a:spcAft>
+              <a:buFont typeface="Wingdings" panose="05000000000000000000" pitchFamily="2" charset="2"/>
+              <a:buChar char="Ø"/>
+              <a:defRPr/>
+            </a:pPr>
+            <a:r>
+              <a:rPr lang="en-US" altLang="zh-CN" dirty="0" err="1" smtClean="0"/>
+              <a:t>setRepeating</a:t>
+            </a:r>
+            <a:r>
+              <a:rPr lang="en-US" altLang="zh-CN" dirty="0" smtClean="0"/>
+              <a:t>(</a:t>
+            </a:r>
+            <a:r>
+              <a:rPr lang="en-US" altLang="zh-CN" dirty="0" err="1" smtClean="0"/>
+              <a:t>int</a:t>
+            </a:r>
+            <a:r>
+              <a:rPr lang="en-US" altLang="zh-CN" dirty="0" smtClean="0"/>
+              <a:t> type, long </a:t>
+            </a:r>
+            <a:r>
+              <a:rPr lang="en-US" altLang="zh-CN" dirty="0" err="1" smtClean="0"/>
+              <a:t>triggerAtTime</a:t>
+            </a:r>
+            <a:r>
+              <a:rPr lang="en-US" altLang="zh-CN" dirty="0" smtClean="0"/>
+              <a:t>, long interval, </a:t>
+            </a:r>
+            <a:r>
+              <a:rPr lang="en-US" altLang="zh-CN" dirty="0" err="1" smtClean="0"/>
+              <a:t>PendingIntent</a:t>
+            </a:r>
+            <a:r>
+              <a:rPr lang="en-US" altLang="zh-CN" dirty="0" smtClean="0"/>
+              <a:t> operation)</a:t>
+            </a:r>
+            <a:r>
+              <a:rPr lang="zh-CN" altLang="en-US" dirty="0" smtClean="0"/>
+              <a:t>：设置一个周期性执行的定时任务。</a:t>
+            </a:r>
+            <a:endParaRPr lang="en-US" altLang="zh-CN" dirty="0" smtClean="0"/>
+          </a:p>
+          <a:p>
+            <a:pPr marL="285750" indent="-285750" fontAlgn="auto">
+              <a:spcBef>
+                <a:spcPts val="0"/>
+              </a:spcBef>
+              <a:spcAft>
+                <a:spcPts val="0"/>
+              </a:spcAft>
+              <a:buFont typeface="Wingdings" panose="05000000000000000000" pitchFamily="2" charset="2"/>
+              <a:buChar char="Ø"/>
+              <a:defRPr/>
+            </a:pPr>
+            <a:r>
+              <a:rPr lang="en-US" altLang="zh-CN" dirty="0"/>
+              <a:t>c</a:t>
+            </a:r>
+            <a:r>
+              <a:rPr lang="en-US" altLang="zh-CN" dirty="0" smtClean="0"/>
+              <a:t>ancel(</a:t>
+            </a:r>
+            <a:r>
+              <a:rPr lang="en-US" altLang="zh-CN" dirty="0" err="1" smtClean="0"/>
+              <a:t>PendingIntent</a:t>
+            </a:r>
+            <a:r>
+              <a:rPr lang="en-US" altLang="zh-CN" dirty="0" smtClean="0"/>
+              <a:t> operation)</a:t>
+            </a:r>
+            <a:r>
+              <a:rPr lang="zh-CN" altLang="en-US" dirty="0" smtClean="0"/>
+              <a:t>：取消</a:t>
+            </a:r>
+            <a:r>
+              <a:rPr lang="en-US" altLang="zh-CN" dirty="0" err="1" smtClean="0"/>
+              <a:t>AlarmManager</a:t>
+            </a:r>
+            <a:r>
+              <a:rPr lang="zh-CN" altLang="en-US" dirty="0" smtClean="0"/>
+              <a:t>的定时服务。</a:t>
+            </a:r>
+            <a:endParaRPr lang="en-US" altLang="zh-CN" dirty="0"/>
+          </a:p>
+        </p:txBody>
+      </p:sp>
+      <p:pic>
+        <p:nvPicPr>
+          <p:cNvPr id="6" name="图片 5"/>
+          <p:cNvPicPr>
+            <a:picLocks noChangeAspect="1"/>
+          </p:cNvPicPr>
+          <p:nvPr/>
+        </p:nvPicPr>
+        <p:blipFill>
+          <a:blip r:embed="rId3"/>
+          <a:stretch>
+            <a:fillRect/>
+          </a:stretch>
+        </p:blipFill>
+        <p:spPr>
+          <a:xfrm>
+            <a:off x="4705861" y="2236314"/>
+            <a:ext cx="2990850" cy="4200525"/>
+          </a:xfrm>
+          <a:prstGeom prst="rect">
+            <a:avLst/>
+          </a:prstGeom>
+        </p:spPr>
+      </p:pic>
+    </p:spTree>
+    <p:extLst>
+      <p:ext uri="{BB962C8B-B14F-4D97-AF65-F5344CB8AC3E}">
+        <p14:creationId xmlns:p14="http://schemas.microsoft.com/office/powerpoint/2010/main" val="2072385488"/>
+      </p:ext>
+    </p:extLst>
+  </p:cSld>
+  <p:clrMapOvr>
+    <a:masterClrMapping/>
+  </p:clrMapOvr>
+  <p:timing>
+    <p:tnLst>
+      <p:par>
+        <p:cTn id="1" dur="indefinite" restart="never" nodeType="tmRoot">
+          <p:childTnLst>
+            <p:seq concurrent="1" nextAc="seek">
+              <p:cTn id="2" dur="indefinite" nodeType="mainSeq">
+                <p:childTnLst>
+                  <p:par>
+                    <p:cTn id="3" fill="hold">
+                      <p:stCondLst>
+                        <p:cond delay="indefinite"/>
+                      </p:stCondLst>
+                      <p:childTnLst>
+                        <p:par>
+                          <p:cTn id="4" fill="hold">
+                            <p:stCondLst>
+                              <p:cond delay="0"/>
+                            </p:stCondLst>
+                            <p:childTnLst>
+                              <p:par>
+                                <p:cTn id="5" presetID="42" presetClass="entr" presetSubtype="0" fill="hold" nodeType="clickEffect">
+                                  <p:stCondLst>
+                                    <p:cond delay="0"/>
+                                  </p:stCondLst>
+                                  <p:childTnLst>
+                                    <p:set>
+                                      <p:cBhvr>
+                                        <p:cTn id="6" dur="1" fill="hold">
+                                          <p:stCondLst>
+                                            <p:cond delay="0"/>
+                                          </p:stCondLst>
+                                        </p:cTn>
+                                        <p:tgtEl>
+                                          <p:spTgt spid="6"/>
+                                        </p:tgtEl>
+                                        <p:attrNameLst>
+                                          <p:attrName>style.visibility</p:attrName>
+                                        </p:attrNameLst>
+                                      </p:cBhvr>
+                                      <p:to>
+                                        <p:strVal val="visible"/>
+                                      </p:to>
+                                    </p:set>
+                                    <p:animEffect transition="in" filter="fade">
+                                      <p:cBhvr>
+                                        <p:cTn id="7" dur="500"/>
+                                        <p:tgtEl>
+                                          <p:spTgt spid="6"/>
+                                        </p:tgtEl>
+                                      </p:cBhvr>
+                                    </p:animEffect>
+                                    <p:anim calcmode="lin" valueType="num">
+                                      <p:cBhvr>
+                                        <p:cTn id="8" dur="500" fill="hold"/>
+                                        <p:tgtEl>
+                                          <p:spTgt spid="6"/>
+                                        </p:tgtEl>
+                                        <p:attrNameLst>
+                                          <p:attrName>ppt_x</p:attrName>
+                                        </p:attrNameLst>
+                                      </p:cBhvr>
+                                      <p:tavLst>
+                                        <p:tav tm="0">
+                                          <p:val>
+                                            <p:strVal val="#ppt_x"/>
+                                          </p:val>
+                                        </p:tav>
+                                        <p:tav tm="100000">
+                                          <p:val>
+                                            <p:strVal val="#ppt_x"/>
+                                          </p:val>
+                                        </p:tav>
+                                      </p:tavLst>
+                                    </p:anim>
+                                    <p:anim calcmode="lin" valueType="num">
+                                      <p:cBhvr>
+                                        <p:cTn id="9" dur="500" fill="hold"/>
+                                        <p:tgtEl>
+                                          <p:spTgt spid="6"/>
+                                        </p:tgtEl>
+                                        <p:attrNameLst>
+                                          <p:attrName>ppt_y</p:attrName>
+                                        </p:attrNameLst>
+                                      </p:cBhvr>
+                                      <p:tavLst>
+                                        <p:tav tm="0">
+                                          <p:val>
+                                            <p:strVal val="#ppt_y+.1"/>
+                                          </p:val>
+                                        </p:tav>
+                                        <p:tav tm="100000">
+                                          <p:val>
+                                            <p:strVal val="#ppt_y"/>
+                                          </p:val>
+                                        </p:tav>
+                                      </p:tavLst>
+                                    </p:anim>
+                                  </p:childTnLst>
+                                </p:cTn>
+                              </p:par>
+                            </p:childTnLst>
+                          </p:cTn>
+                        </p:par>
+                      </p:childTnLst>
+                    </p:cTn>
+                  </p:par>
+                </p:childTnLst>
+              </p:cTn>
+              <p:prevCondLst>
+                <p:cond evt="onPrev" delay="0">
+                  <p:tgtEl>
+                    <p:sldTgt/>
+                  </p:tgtEl>
+                </p:cond>
+              </p:prevCondLst>
+              <p:nextCondLst>
+                <p:cond evt="onNext" delay="0">
+                  <p:tgtEl>
+                    <p:sldTgt/>
+                  </p:tgtEl>
+                </p:cond>
+              </p:nextCondLst>
+            </p:seq>
+          </p:childTnLst>
+        </p:cTn>
+      </p:par>
+    </p:tnLst>
+  </p:timing>
+</p:sld>
+</file>
+
+<file path=ppt/slides/slide21.xml><?xml version="1.0" encoding="utf-8"?>
+<p:sld xmlns:a="http://schemas.openxmlformats.org/drawingml/2006/main" xmlns:r="http://schemas.openxmlformats.org/officeDocument/2006/relationships" xmlns:p="http://schemas.openxmlformats.org/presentationml/2006/main">
+  <p:cSld>
+    <p:spTree>
+      <p:nvGrpSpPr>
+        <p:cNvPr id="1" name=""/>
+        <p:cNvGrpSpPr/>
+        <p:nvPr/>
+      </p:nvGrpSpPr>
+      <p:grpSpPr>
+        <a:xfrm>
+          <a:off x="0" y="0"/>
+          <a:ext cx="0" cy="0"/>
+          <a:chOff x="0" y="0"/>
+          <a:chExt cx="0" cy="0"/>
+        </a:xfrm>
+      </p:grpSpPr>
+      <p:sp>
+        <p:nvSpPr>
           <p:cNvPr id="7" name="椭圆 6"/>
           <p:cNvSpPr/>
           <p:nvPr/>
@@ -15957,7 +16474,7 @@
 </p:sld>
 </file>
 
-<file path=ppt/slides/slide21.xml><?xml version="1.0" encoding="utf-8"?>
+<file path=ppt/slides/slide22.xml><?xml version="1.0" encoding="utf-8"?>
 <p:sld xmlns:a="http://schemas.openxmlformats.org/drawingml/2006/main" xmlns:r="http://schemas.openxmlformats.org/officeDocument/2006/relationships" xmlns:p="http://schemas.openxmlformats.org/presentationml/2006/main">
   <p:cSld>
     <p:spTree>
@@ -16641,7 +17158,7 @@
 </p:sld>
 </file>
 
-<file path=ppt/slides/slide22.xml><?xml version="1.0" encoding="utf-8"?>
+<file path=ppt/slides/slide23.xml><?xml version="1.0" encoding="utf-8"?>
 <p:sld xmlns:a="http://schemas.openxmlformats.org/drawingml/2006/main" xmlns:r="http://schemas.openxmlformats.org/officeDocument/2006/relationships" xmlns:p="http://schemas.openxmlformats.org/presentationml/2006/main">
   <p:cSld>
     <p:spTree>
@@ -17152,7 +17669,7 @@
           <a:effectLst/>
           <a:extLst>
             <a:ext uri="{91240B29-F687-4f45-9708-019B960494DF}">
-              <a14:hiddenLine xmlns:a14="http://schemas.microsoft.com/office/drawing/2010/main" xmlns="" w="9525">
+              <a14:hiddenLine xmlns="" xmlns:a14="http://schemas.microsoft.com/office/drawing/2010/main" w="9525">
                 <a:solidFill>
                   <a:schemeClr val="tx1"/>
                 </a:solidFill>
@@ -17162,7 +17679,7 @@
               </a14:hiddenLine>
             </a:ext>
             <a:ext uri="{AF507438-7753-43e0-B8FC-AC1667EBCBE1}">
-              <a14:hiddenEffects xmlns:a14="http://schemas.microsoft.com/office/drawing/2010/main" xmlns="">
+              <a14:hiddenEffects xmlns="" xmlns:a14="http://schemas.microsoft.com/office/drawing/2010/main">
                 <a:effectLst>
                   <a:outerShdw dist="35921" dir="2700000" algn="ctr" rotWithShape="0">
                     <a:schemeClr val="bg2"/>
@@ -17471,7 +17988,7 @@
           <a:effectLst/>
           <a:extLst>
             <a:ext uri="{91240B29-F687-4f45-9708-019B960494DF}">
-              <a14:hiddenLine xmlns:a14="http://schemas.microsoft.com/office/drawing/2010/main" xmlns="" w="9525">
+              <a14:hiddenLine xmlns="" xmlns:a14="http://schemas.microsoft.com/office/drawing/2010/main" w="9525">
                 <a:solidFill>
                   <a:schemeClr val="tx1"/>
                 </a:solidFill>
@@ -17481,7 +17998,7 @@
               </a14:hiddenLine>
             </a:ext>
             <a:ext uri="{AF507438-7753-43e0-B8FC-AC1667EBCBE1}">
-              <a14:hiddenEffects xmlns:a14="http://schemas.microsoft.com/office/drawing/2010/main" xmlns="">
+              <a14:hiddenEffects xmlns="" xmlns:a14="http://schemas.microsoft.com/office/drawing/2010/main">
                 <a:effectLst>
                   <a:outerShdw dist="35921" dir="2700000" algn="ctr" rotWithShape="0">
                     <a:schemeClr val="bg2"/>
@@ -18053,7 +18570,7 @@
 </p:sld>
 </file>
 
-<file path=ppt/slides/slide23.xml><?xml version="1.0" encoding="utf-8"?>
+<file path=ppt/slides/slide24.xml><?xml version="1.0" encoding="utf-8"?>
 <p:sld xmlns:a="http://schemas.openxmlformats.org/drawingml/2006/main" xmlns:r="http://schemas.openxmlformats.org/officeDocument/2006/relationships" xmlns:p="http://schemas.openxmlformats.org/presentationml/2006/main">
   <p:cSld>
     <p:spTree>
@@ -18567,7 +19084,7 @@
 </p:sld>
 </file>
 
-<file path=ppt/slides/slide24.xml><?xml version="1.0" encoding="utf-8"?>
+<file path=ppt/slides/slide25.xml><?xml version="1.0" encoding="utf-8"?>
 <p:sld xmlns:a="http://schemas.openxmlformats.org/drawingml/2006/main" xmlns:r="http://schemas.openxmlformats.org/officeDocument/2006/relationships" xmlns:p="http://schemas.openxmlformats.org/presentationml/2006/main">
   <p:cSld>
     <p:spTree>
@@ -18876,7 +19393,7 @@
 </p:sld>
 </file>
 
-<file path=ppt/slides/slide25.xml><?xml version="1.0" encoding="utf-8"?>
+<file path=ppt/slides/slide26.xml><?xml version="1.0" encoding="utf-8"?>
 <p:sld xmlns:a="http://schemas.openxmlformats.org/drawingml/2006/main" xmlns:r="http://schemas.openxmlformats.org/officeDocument/2006/relationships" xmlns:p="http://schemas.openxmlformats.org/presentationml/2006/main">
   <p:cSld>
     <p:spTree>
@@ -20270,7 +20787,7 @@
           <a:effectLst/>
           <a:extLst>
             <a:ext uri="{91240B29-F687-4f45-9708-019B960494DF}">
-              <a14:hiddenLine xmlns:a14="http://schemas.microsoft.com/office/drawing/2010/main" xmlns="" w="9525">
+              <a14:hiddenLine xmlns="" xmlns:a14="http://schemas.microsoft.com/office/drawing/2010/main" w="9525">
                 <a:solidFill>
                   <a:schemeClr val="tx1"/>
                 </a:solidFill>
@@ -20280,7 +20797,7 @@
               </a14:hiddenLine>
             </a:ext>
             <a:ext uri="{AF507438-7753-43e0-B8FC-AC1667EBCBE1}">
-              <a14:hiddenEffects xmlns:a14="http://schemas.microsoft.com/office/drawing/2010/main" xmlns="">
+              <a14:hiddenEffects xmlns="" xmlns:a14="http://schemas.microsoft.com/office/drawing/2010/main">
                 <a:effectLst>
                   <a:outerShdw dist="35921" dir="2700000" algn="ctr" rotWithShape="0">
                     <a:schemeClr val="bg2"/>
@@ -20914,12 +21431,22 @@
             <a:r>
               <a:rPr lang="zh-CN" altLang="en-US" dirty="0" smtClean="0">
                 <a:solidFill>
-                  <a:schemeClr val="bg1"/>
+                  <a:srgbClr val="FF0000"/>
                 </a:solidFill>
                 <a:latin typeface="Calibri" pitchFamily="34" charset="0"/>
                 <a:ea typeface="微软雅黑" pitchFamily="34" charset="-122"/>
               </a:rPr>
-              <a:t>也仍然运行。</a:t>
+              <a:t>也仍然运行</a:t>
+            </a:r>
+            <a:r>
+              <a:rPr lang="zh-CN" altLang="en-US" dirty="0" smtClean="0">
+                <a:solidFill>
+                  <a:schemeClr val="bg1"/>
+                </a:solidFill>
+                <a:latin typeface="Calibri" pitchFamily="34" charset="0"/>
+                <a:ea typeface="微软雅黑" pitchFamily="34" charset="-122"/>
+              </a:rPr>
+              <a:t>。</a:t>
             </a:r>
             <a:endParaRPr lang="zh-CN" altLang="en-US" dirty="0">
               <a:solidFill>
@@ -21084,12 +21611,22 @@
             <a:r>
               <a:rPr lang="zh-CN" altLang="en-US" dirty="0" smtClean="0">
                 <a:solidFill>
-                  <a:schemeClr val="bg1"/>
+                  <a:srgbClr val="FF0000"/>
                 </a:solidFill>
                 <a:latin typeface="Calibri" pitchFamily="34" charset="0"/>
                 <a:ea typeface="微软雅黑" pitchFamily="34" charset="-122"/>
               </a:rPr>
-              <a:t>也就终止了。</a:t>
+              <a:t>也就终止了</a:t>
+            </a:r>
+            <a:r>
+              <a:rPr lang="zh-CN" altLang="en-US" dirty="0" smtClean="0">
+                <a:solidFill>
+                  <a:schemeClr val="bg1"/>
+                </a:solidFill>
+                <a:latin typeface="Calibri" pitchFamily="34" charset="0"/>
+                <a:ea typeface="微软雅黑" pitchFamily="34" charset="-122"/>
+              </a:rPr>
+              <a:t>。</a:t>
             </a:r>
             <a:endParaRPr lang="zh-CN" altLang="en-US" dirty="0">
               <a:solidFill>
